--- a/PresentationProjet2.pptx
+++ b/PresentationProjet2.pptx
@@ -29888,8 +29888,8 @@
         </p:nvSpPr>
         <p:spPr>
           <a:xfrm>
-            <a:off x="846235" y="1033109"/>
-            <a:ext cx="6626100" cy="4061700"/>
+            <a:off x="519039" y="895948"/>
+            <a:ext cx="8053420" cy="4151286"/>
           </a:xfrm>
           <a:prstGeom prst="roundRect">
             <a:avLst>
@@ -30109,634 +30109,6 @@
       </p:sp>
       <p:sp>
         <p:nvSpPr>
-          <p:cNvPr id="12" name="Rectangle 5">
-            <a:extLst>
-              <a:ext uri="{FF2B5EF4-FFF2-40B4-BE49-F238E27FC236}">
-                <a16:creationId xmlns:a16="http://schemas.microsoft.com/office/drawing/2014/main" id="{509700FA-7F12-44B7-B066-32AB5ECB910F}"/>
-              </a:ext>
-            </a:extLst>
-          </p:cNvPr>
-          <p:cNvSpPr>
-            <a:spLocks noChangeArrowheads="1"/>
-          </p:cNvSpPr>
-          <p:nvPr/>
-        </p:nvSpPr>
-        <p:spPr bwMode="auto">
-          <a:xfrm>
-            <a:off x="1078967" y="2397988"/>
-            <a:ext cx="5500687" cy="400110"/>
-          </a:xfrm>
-          <a:prstGeom prst="rect">
-            <a:avLst/>
-          </a:prstGeom>
-          <a:solidFill>
-            <a:srgbClr val="2B2B2B"/>
-          </a:solidFill>
-          <a:ln>
-            <a:noFill/>
-          </a:ln>
-          <a:effectLst/>
-          <a:extLst>
-            <a:ext uri="{91240B29-F687-4F45-9708-019B960494DF}">
-              <a14:hiddenLine xmlns:a14="http://schemas.microsoft.com/office/drawing/2010/main" w="9525">
-                <a:solidFill>
-                  <a:schemeClr val="tx1"/>
-                </a:solidFill>
-                <a:miter lim="800000"/>
-                <a:headEnd/>
-                <a:tailEnd/>
-              </a14:hiddenLine>
-            </a:ext>
-            <a:ext uri="{AF507438-7753-43E0-B8FC-AC1667EBCBE1}">
-              <a14:hiddenEffects xmlns:a14="http://schemas.microsoft.com/office/drawing/2010/main">
-                <a:effectLst>
-                  <a:outerShdw dist="35921" dir="2700000" algn="ctr" rotWithShape="0">
-                    <a:schemeClr val="bg2"/>
-                  </a:outerShdw>
-                </a:effectLst>
-              </a14:hiddenEffects>
-            </a:ext>
-          </a:extLst>
-        </p:spPr>
-        <p:txBody>
-          <a:bodyPr vert="horz" wrap="square" lIns="91440" tIns="45720" rIns="91440" bIns="45720" numCol="1" anchor="ctr" anchorCtr="0" compatLnSpc="1">
-            <a:prstTxWarp prst="textNoShape">
-              <a:avLst/>
-            </a:prstTxWarp>
-            <a:spAutoFit/>
-          </a:bodyPr>
-          <a:lstStyle/>
-          <a:p>
-            <a:pPr marL="0" marR="0" lvl="0" indent="0" algn="l" defTabSz="914400" rtl="0" eaLnBrk="0" fontAlgn="base" latinLnBrk="0" hangingPunct="0">
-              <a:lnSpc>
-                <a:spcPct val="100000"/>
-              </a:lnSpc>
-              <a:spcBef>
-                <a:spcPct val="0"/>
-              </a:spcBef>
-              <a:spcAft>
-                <a:spcPct val="0"/>
-              </a:spcAft>
-              <a:buClrTx/>
-              <a:buSzTx/>
-              <a:buFontTx/>
-              <a:buNone/>
-              <a:tabLst/>
-            </a:pPr>
-            <a:r>
-              <a:rPr kumimoji="0" lang="fr-FR" altLang="fr-FR" sz="1000" b="0" i="0" u="none" strike="noStrike" cap="none" normalizeH="0" baseline="0" dirty="0" err="1">
-                <a:ln>
-                  <a:noFill/>
-                </a:ln>
-                <a:solidFill>
-                  <a:srgbClr val="A9B7C6"/>
-                </a:solidFill>
-                <a:effectLst/>
-                <a:latin typeface="JetBrains Mono"/>
-              </a:rPr>
-              <a:t>readSymptomDataFromFile</a:t>
-            </a:r>
-            <a:r>
-              <a:rPr kumimoji="0" lang="fr-FR" altLang="fr-FR" sz="1000" b="0" i="0" u="none" strike="noStrike" cap="none" normalizeH="0" baseline="0" dirty="0">
-                <a:ln>
-                  <a:noFill/>
-                </a:ln>
-                <a:solidFill>
-                  <a:srgbClr val="A9B7C6"/>
-                </a:solidFill>
-                <a:effectLst/>
-                <a:latin typeface="JetBrains Mono"/>
-              </a:rPr>
-              <a:t> = </a:t>
-            </a:r>
-            <a:r>
-              <a:rPr kumimoji="0" lang="fr-FR" altLang="fr-FR" sz="1000" b="0" i="0" u="none" strike="noStrike" cap="none" normalizeH="0" baseline="0" dirty="0">
-                <a:ln>
-                  <a:noFill/>
-                </a:ln>
-                <a:solidFill>
-                  <a:srgbClr val="CC7832"/>
-                </a:solidFill>
-                <a:effectLst/>
-                <a:latin typeface="JetBrains Mono"/>
-              </a:rPr>
-              <a:t>new </a:t>
-            </a:r>
-            <a:r>
-              <a:rPr kumimoji="0" lang="fr-FR" altLang="fr-FR" sz="1000" b="0" i="0" u="none" strike="noStrike" cap="none" normalizeH="0" baseline="0" dirty="0" err="1">
-                <a:ln>
-                  <a:noFill/>
-                </a:ln>
-                <a:solidFill>
-                  <a:srgbClr val="A9B7C6"/>
-                </a:solidFill>
-                <a:effectLst/>
-                <a:latin typeface="JetBrains Mono"/>
-              </a:rPr>
-              <a:t>ReadSymptomDataFromFile</a:t>
-            </a:r>
-            <a:r>
-              <a:rPr kumimoji="0" lang="fr-FR" altLang="fr-FR" sz="1000" b="0" i="0" u="none" strike="noStrike" cap="none" normalizeH="0" baseline="0" dirty="0">
-                <a:ln>
-                  <a:noFill/>
-                </a:ln>
-                <a:solidFill>
-                  <a:srgbClr val="A9B7C6"/>
-                </a:solidFill>
-                <a:effectLst/>
-                <a:latin typeface="JetBrains Mono"/>
-              </a:rPr>
-              <a:t>(</a:t>
-            </a:r>
-            <a:r>
-              <a:rPr kumimoji="0" lang="fr-FR" altLang="fr-FR" sz="1000" b="0" i="0" u="none" strike="noStrike" cap="none" normalizeH="0" baseline="0" dirty="0" err="1">
-                <a:ln>
-                  <a:noFill/>
-                </a:ln>
-                <a:solidFill>
-                  <a:srgbClr val="A9B7C6"/>
-                </a:solidFill>
-                <a:effectLst/>
-                <a:latin typeface="JetBrains Mono"/>
-              </a:rPr>
-              <a:t>symptomsFilePathIn</a:t>
-            </a:r>
-            <a:r>
-              <a:rPr kumimoji="0" lang="fr-FR" altLang="fr-FR" sz="1000" b="0" i="0" u="none" strike="noStrike" cap="none" normalizeH="0" baseline="0" dirty="0">
-                <a:ln>
-                  <a:noFill/>
-                </a:ln>
-                <a:solidFill>
-                  <a:srgbClr val="A9B7C6"/>
-                </a:solidFill>
-                <a:effectLst/>
-                <a:latin typeface="JetBrains Mono"/>
-              </a:rPr>
-              <a:t>)</a:t>
-            </a:r>
-            <a:r>
-              <a:rPr kumimoji="0" lang="fr-FR" altLang="fr-FR" sz="1000" b="0" i="0" u="none" strike="noStrike" cap="none" normalizeH="0" baseline="0" dirty="0">
-                <a:ln>
-                  <a:noFill/>
-                </a:ln>
-                <a:solidFill>
-                  <a:srgbClr val="CC7832"/>
-                </a:solidFill>
-                <a:effectLst/>
-                <a:latin typeface="JetBrains Mono"/>
-              </a:rPr>
-              <a:t>;</a:t>
-            </a:r>
-            <a:br>
-              <a:rPr kumimoji="0" lang="fr-FR" altLang="fr-FR" sz="1000" b="0" i="0" u="none" strike="noStrike" cap="none" normalizeH="0" baseline="0" dirty="0">
-                <a:ln>
-                  <a:noFill/>
-                </a:ln>
-                <a:solidFill>
-                  <a:srgbClr val="CC7832"/>
-                </a:solidFill>
-                <a:effectLst/>
-                <a:latin typeface="JetBrains Mono"/>
-              </a:rPr>
-            </a:br>
-            <a:r>
-              <a:rPr kumimoji="0" lang="fr-FR" altLang="fr-FR" sz="1000" b="0" i="0" u="none" strike="noStrike" cap="none" normalizeH="0" baseline="0" dirty="0" err="1">
-                <a:ln>
-                  <a:noFill/>
-                </a:ln>
-                <a:solidFill>
-                  <a:srgbClr val="A9B7C6"/>
-                </a:solidFill>
-                <a:effectLst/>
-                <a:latin typeface="JetBrains Mono"/>
-              </a:rPr>
-              <a:t>l_allSymptoms</a:t>
-            </a:r>
-            <a:r>
-              <a:rPr kumimoji="0" lang="fr-FR" altLang="fr-FR" sz="1000" b="0" i="0" u="none" strike="noStrike" cap="none" normalizeH="0" baseline="0" dirty="0">
-                <a:ln>
-                  <a:noFill/>
-                </a:ln>
-                <a:solidFill>
-                  <a:srgbClr val="A9B7C6"/>
-                </a:solidFill>
-                <a:effectLst/>
-                <a:latin typeface="JetBrains Mono"/>
-              </a:rPr>
-              <a:t> = </a:t>
-            </a:r>
-            <a:r>
-              <a:rPr kumimoji="0" lang="fr-FR" altLang="fr-FR" sz="1000" b="0" i="0" u="none" strike="noStrike" cap="none" normalizeH="0" baseline="0" dirty="0" err="1">
-                <a:ln>
-                  <a:noFill/>
-                </a:ln>
-                <a:solidFill>
-                  <a:srgbClr val="A9B7C6"/>
-                </a:solidFill>
-                <a:effectLst/>
-                <a:latin typeface="JetBrains Mono"/>
-              </a:rPr>
-              <a:t>readSymptomDataFromFile.GetSymptoms</a:t>
-            </a:r>
-            <a:r>
-              <a:rPr kumimoji="0" lang="fr-FR" altLang="fr-FR" sz="1000" b="0" i="0" u="none" strike="noStrike" cap="none" normalizeH="0" baseline="0" dirty="0">
-                <a:ln>
-                  <a:noFill/>
-                </a:ln>
-                <a:solidFill>
-                  <a:srgbClr val="A9B7C6"/>
-                </a:solidFill>
-                <a:effectLst/>
-                <a:latin typeface="JetBrains Mono"/>
-              </a:rPr>
-              <a:t>()</a:t>
-            </a:r>
-            <a:r>
-              <a:rPr kumimoji="0" lang="fr-FR" altLang="fr-FR" sz="1000" b="0" i="0" u="none" strike="noStrike" cap="none" normalizeH="0" baseline="0" dirty="0">
-                <a:ln>
-                  <a:noFill/>
-                </a:ln>
-                <a:solidFill>
-                  <a:srgbClr val="CC7832"/>
-                </a:solidFill>
-                <a:effectLst/>
-                <a:latin typeface="JetBrains Mono"/>
-              </a:rPr>
-              <a:t>;</a:t>
-            </a:r>
-            <a:endParaRPr kumimoji="0" lang="fr-FR" altLang="fr-FR" sz="1800" b="0" i="0" u="none" strike="noStrike" cap="none" normalizeH="0" baseline="0" dirty="0">
-              <a:ln>
-                <a:noFill/>
-              </a:ln>
-              <a:solidFill>
-                <a:schemeClr val="tx1"/>
-              </a:solidFill>
-              <a:effectLst/>
-              <a:latin typeface="Arial" panose="020B0604020202020204" pitchFamily="34" charset="0"/>
-            </a:endParaRPr>
-          </a:p>
-        </p:txBody>
-      </p:sp>
-      <p:sp>
-        <p:nvSpPr>
-          <p:cNvPr id="13" name="Rectangle 6">
-            <a:extLst>
-              <a:ext uri="{FF2B5EF4-FFF2-40B4-BE49-F238E27FC236}">
-                <a16:creationId xmlns:a16="http://schemas.microsoft.com/office/drawing/2014/main" id="{98202BB5-75C6-4044-8767-5DFD7AE03023}"/>
-              </a:ext>
-            </a:extLst>
-          </p:cNvPr>
-          <p:cNvSpPr>
-            <a:spLocks noChangeArrowheads="1"/>
-          </p:cNvSpPr>
-          <p:nvPr/>
-        </p:nvSpPr>
-        <p:spPr bwMode="auto">
-          <a:xfrm>
-            <a:off x="1093046" y="3260079"/>
-            <a:ext cx="4624989" cy="400110"/>
-          </a:xfrm>
-          <a:prstGeom prst="rect">
-            <a:avLst/>
-          </a:prstGeom>
-          <a:solidFill>
-            <a:srgbClr val="2B2B2B"/>
-          </a:solidFill>
-          <a:ln>
-            <a:noFill/>
-          </a:ln>
-          <a:effectLst/>
-          <a:extLst>
-            <a:ext uri="{91240B29-F687-4F45-9708-019B960494DF}">
-              <a14:hiddenLine xmlns:a14="http://schemas.microsoft.com/office/drawing/2010/main" w="9525">
-                <a:solidFill>
-                  <a:schemeClr val="tx1"/>
-                </a:solidFill>
-                <a:miter lim="800000"/>
-                <a:headEnd/>
-                <a:tailEnd/>
-              </a14:hiddenLine>
-            </a:ext>
-            <a:ext uri="{AF507438-7753-43E0-B8FC-AC1667EBCBE1}">
-              <a14:hiddenEffects xmlns:a14="http://schemas.microsoft.com/office/drawing/2010/main">
-                <a:effectLst>
-                  <a:outerShdw dist="35921" dir="2700000" algn="ctr" rotWithShape="0">
-                    <a:schemeClr val="bg2"/>
-                  </a:outerShdw>
-                </a:effectLst>
-              </a14:hiddenEffects>
-            </a:ext>
-          </a:extLst>
-        </p:spPr>
-        <p:txBody>
-          <a:bodyPr vert="horz" wrap="square" lIns="91440" tIns="45720" rIns="91440" bIns="45720" numCol="1" anchor="ctr" anchorCtr="0" compatLnSpc="1">
-            <a:prstTxWarp prst="textNoShape">
-              <a:avLst/>
-            </a:prstTxWarp>
-            <a:spAutoFit/>
-          </a:bodyPr>
-          <a:lstStyle/>
-          <a:p>
-            <a:pPr marL="0" marR="0" lvl="0" indent="0" algn="l" defTabSz="914400" rtl="0" eaLnBrk="0" fontAlgn="base" latinLnBrk="0" hangingPunct="0">
-              <a:lnSpc>
-                <a:spcPct val="100000"/>
-              </a:lnSpc>
-              <a:spcBef>
-                <a:spcPct val="0"/>
-              </a:spcBef>
-              <a:spcAft>
-                <a:spcPct val="0"/>
-              </a:spcAft>
-              <a:buClrTx/>
-              <a:buSzTx/>
-              <a:buFontTx/>
-              <a:buNone/>
-              <a:tabLst/>
-            </a:pPr>
-            <a:r>
-              <a:rPr kumimoji="0" lang="fr-FR" altLang="fr-FR" sz="1000" b="0" i="0" u="none" strike="noStrike" cap="none" normalizeH="0" baseline="0">
-                <a:ln>
-                  <a:noFill/>
-                </a:ln>
-                <a:solidFill>
-                  <a:srgbClr val="A9B7C6"/>
-                </a:solidFill>
-                <a:effectLst/>
-                <a:latin typeface="JetBrains Mono"/>
-              </a:rPr>
-              <a:t>SymptomAnalysis symptomAnalysis = </a:t>
-            </a:r>
-            <a:r>
-              <a:rPr kumimoji="0" lang="fr-FR" altLang="fr-FR" sz="1000" b="0" i="0" u="none" strike="noStrike" cap="none" normalizeH="0" baseline="0">
-                <a:ln>
-                  <a:noFill/>
-                </a:ln>
-                <a:solidFill>
-                  <a:srgbClr val="CC7832"/>
-                </a:solidFill>
-                <a:effectLst/>
-                <a:latin typeface="JetBrains Mono"/>
-              </a:rPr>
-              <a:t>new </a:t>
-            </a:r>
-            <a:r>
-              <a:rPr kumimoji="0" lang="fr-FR" altLang="fr-FR" sz="1000" b="0" i="0" u="none" strike="noStrike" cap="none" normalizeH="0" baseline="0">
-                <a:ln>
-                  <a:noFill/>
-                </a:ln>
-                <a:solidFill>
-                  <a:srgbClr val="A9B7C6"/>
-                </a:solidFill>
-                <a:effectLst/>
-                <a:latin typeface="JetBrains Mono"/>
-              </a:rPr>
-              <a:t>SymptomAnalysis(l_allSymptoms)</a:t>
-            </a:r>
-            <a:r>
-              <a:rPr kumimoji="0" lang="fr-FR" altLang="fr-FR" sz="1000" b="0" i="0" u="none" strike="noStrike" cap="none" normalizeH="0" baseline="0">
-                <a:ln>
-                  <a:noFill/>
-                </a:ln>
-                <a:solidFill>
-                  <a:srgbClr val="CC7832"/>
-                </a:solidFill>
-                <a:effectLst/>
-                <a:latin typeface="JetBrains Mono"/>
-              </a:rPr>
-              <a:t>;</a:t>
-            </a:r>
-            <a:br>
-              <a:rPr kumimoji="0" lang="fr-FR" altLang="fr-FR" sz="1000" b="0" i="0" u="none" strike="noStrike" cap="none" normalizeH="0" baseline="0">
-                <a:ln>
-                  <a:noFill/>
-                </a:ln>
-                <a:solidFill>
-                  <a:srgbClr val="CC7832"/>
-                </a:solidFill>
-                <a:effectLst/>
-                <a:latin typeface="JetBrains Mono"/>
-              </a:rPr>
-            </a:br>
-            <a:r>
-              <a:rPr kumimoji="0" lang="fr-FR" altLang="fr-FR" sz="1000" b="0" i="0" u="none" strike="noStrike" cap="none" normalizeH="0" baseline="0">
-                <a:ln>
-                  <a:noFill/>
-                </a:ln>
-                <a:solidFill>
-                  <a:srgbClr val="A9B7C6"/>
-                </a:solidFill>
-                <a:effectLst/>
-                <a:latin typeface="JetBrains Mono"/>
-              </a:rPr>
-              <a:t>l_allSymptomsCount = symptomAnalysis.CountNumberOfSymptom()</a:t>
-            </a:r>
-            <a:r>
-              <a:rPr kumimoji="0" lang="fr-FR" altLang="fr-FR" sz="1000" b="0" i="0" u="none" strike="noStrike" cap="none" normalizeH="0" baseline="0">
-                <a:ln>
-                  <a:noFill/>
-                </a:ln>
-                <a:solidFill>
-                  <a:srgbClr val="CC7832"/>
-                </a:solidFill>
-                <a:effectLst/>
-                <a:latin typeface="JetBrains Mono"/>
-              </a:rPr>
-              <a:t>;</a:t>
-            </a:r>
-            <a:endParaRPr kumimoji="0" lang="fr-FR" altLang="fr-FR" sz="1800" b="0" i="0" u="none" strike="noStrike" cap="none" normalizeH="0" baseline="0">
-              <a:ln>
-                <a:noFill/>
-              </a:ln>
-              <a:solidFill>
-                <a:schemeClr val="tx1"/>
-              </a:solidFill>
-              <a:effectLst/>
-              <a:latin typeface="Arial" panose="020B0604020202020204" pitchFamily="34" charset="0"/>
-            </a:endParaRPr>
-          </a:p>
-        </p:txBody>
-      </p:sp>
-      <p:sp>
-        <p:nvSpPr>
-          <p:cNvPr id="14" name="Rectangle 7">
-            <a:extLst>
-              <a:ext uri="{FF2B5EF4-FFF2-40B4-BE49-F238E27FC236}">
-                <a16:creationId xmlns:a16="http://schemas.microsoft.com/office/drawing/2014/main" id="{6E1EDEDE-1493-49C9-A011-7DB5D1450F86}"/>
-              </a:ext>
-            </a:extLst>
-          </p:cNvPr>
-          <p:cNvSpPr>
-            <a:spLocks noChangeArrowheads="1"/>
-          </p:cNvSpPr>
-          <p:nvPr/>
-        </p:nvSpPr>
-        <p:spPr bwMode="auto">
-          <a:xfrm>
-            <a:off x="1050173" y="4305014"/>
-            <a:ext cx="5558277" cy="400110"/>
-          </a:xfrm>
-          <a:prstGeom prst="rect">
-            <a:avLst/>
-          </a:prstGeom>
-          <a:solidFill>
-            <a:srgbClr val="2B2B2B"/>
-          </a:solidFill>
-          <a:ln>
-            <a:noFill/>
-          </a:ln>
-          <a:effectLst/>
-          <a:extLst>
-            <a:ext uri="{91240B29-F687-4F45-9708-019B960494DF}">
-              <a14:hiddenLine xmlns:a14="http://schemas.microsoft.com/office/drawing/2010/main" w="9525">
-                <a:solidFill>
-                  <a:schemeClr val="tx1"/>
-                </a:solidFill>
-                <a:miter lim="800000"/>
-                <a:headEnd/>
-                <a:tailEnd/>
-              </a14:hiddenLine>
-            </a:ext>
-            <a:ext uri="{AF507438-7753-43E0-B8FC-AC1667EBCBE1}">
-              <a14:hiddenEffects xmlns:a14="http://schemas.microsoft.com/office/drawing/2010/main">
-                <a:effectLst>
-                  <a:outerShdw dist="35921" dir="2700000" algn="ctr" rotWithShape="0">
-                    <a:schemeClr val="bg2"/>
-                  </a:outerShdw>
-                </a:effectLst>
-              </a14:hiddenEffects>
-            </a:ext>
-          </a:extLst>
-        </p:spPr>
-        <p:txBody>
-          <a:bodyPr vert="horz" wrap="square" lIns="91440" tIns="45720" rIns="91440" bIns="45720" numCol="1" anchor="ctr" anchorCtr="0" compatLnSpc="1">
-            <a:prstTxWarp prst="textNoShape">
-              <a:avLst/>
-            </a:prstTxWarp>
-            <a:spAutoFit/>
-          </a:bodyPr>
-          <a:lstStyle/>
-          <a:p>
-            <a:pPr marL="0" marR="0" lvl="0" indent="0" algn="l" defTabSz="914400" rtl="0" eaLnBrk="0" fontAlgn="base" latinLnBrk="0" hangingPunct="0">
-              <a:lnSpc>
-                <a:spcPct val="100000"/>
-              </a:lnSpc>
-              <a:spcBef>
-                <a:spcPct val="0"/>
-              </a:spcBef>
-              <a:spcAft>
-                <a:spcPct val="0"/>
-              </a:spcAft>
-              <a:buClrTx/>
-              <a:buSzTx/>
-              <a:buFontTx/>
-              <a:buNone/>
-              <a:tabLst/>
-            </a:pPr>
-            <a:r>
-              <a:rPr kumimoji="0" lang="fr-FR" altLang="fr-FR" sz="1000" b="0" i="0" u="none" strike="noStrike" cap="none" normalizeH="0" baseline="0">
-                <a:ln>
-                  <a:noFill/>
-                </a:ln>
-                <a:solidFill>
-                  <a:srgbClr val="A9B7C6"/>
-                </a:solidFill>
-                <a:effectLst/>
-                <a:latin typeface="JetBrains Mono"/>
-              </a:rPr>
-              <a:t>writeSymptomAnalysisToOutput = </a:t>
-            </a:r>
-            <a:r>
-              <a:rPr kumimoji="0" lang="fr-FR" altLang="fr-FR" sz="1000" b="0" i="0" u="none" strike="noStrike" cap="none" normalizeH="0" baseline="0">
-                <a:ln>
-                  <a:noFill/>
-                </a:ln>
-                <a:solidFill>
-                  <a:srgbClr val="CC7832"/>
-                </a:solidFill>
-                <a:effectLst/>
-                <a:latin typeface="JetBrains Mono"/>
-              </a:rPr>
-              <a:t>new </a:t>
-            </a:r>
-            <a:r>
-              <a:rPr kumimoji="0" lang="fr-FR" altLang="fr-FR" sz="1000" b="0" i="0" u="none" strike="noStrike" cap="none" normalizeH="0" baseline="0">
-                <a:ln>
-                  <a:noFill/>
-                </a:ln>
-                <a:solidFill>
-                  <a:srgbClr val="A9B7C6"/>
-                </a:solidFill>
-                <a:effectLst/>
-                <a:latin typeface="JetBrains Mono"/>
-              </a:rPr>
-              <a:t>WriteSymptomAnalysisToOutput(l_allSymptomsCount)</a:t>
-            </a:r>
-            <a:r>
-              <a:rPr kumimoji="0" lang="fr-FR" altLang="fr-FR" sz="1000" b="0" i="0" u="none" strike="noStrike" cap="none" normalizeH="0" baseline="0">
-                <a:ln>
-                  <a:noFill/>
-                </a:ln>
-                <a:solidFill>
-                  <a:srgbClr val="CC7832"/>
-                </a:solidFill>
-                <a:effectLst/>
-                <a:latin typeface="JetBrains Mono"/>
-              </a:rPr>
-              <a:t>;</a:t>
-            </a:r>
-            <a:br>
-              <a:rPr kumimoji="0" lang="fr-FR" altLang="fr-FR" sz="1000" b="0" i="0" u="none" strike="noStrike" cap="none" normalizeH="0" baseline="0">
-                <a:ln>
-                  <a:noFill/>
-                </a:ln>
-                <a:solidFill>
-                  <a:srgbClr val="CC7832"/>
-                </a:solidFill>
-                <a:effectLst/>
-                <a:latin typeface="JetBrains Mono"/>
-              </a:rPr>
-            </a:br>
-            <a:r>
-              <a:rPr kumimoji="0" lang="fr-FR" altLang="fr-FR" sz="1000" b="0" i="0" u="none" strike="noStrike" cap="none" normalizeH="0" baseline="0">
-                <a:ln>
-                  <a:noFill/>
-                </a:ln>
-                <a:solidFill>
-                  <a:srgbClr val="A9B7C6"/>
-                </a:solidFill>
-                <a:effectLst/>
-                <a:latin typeface="JetBrains Mono"/>
-              </a:rPr>
-              <a:t>writeSymptomAnalysisToOutput.PrintOutSymptoms(symptomsFilePathOut)</a:t>
-            </a:r>
-            <a:r>
-              <a:rPr kumimoji="0" lang="fr-FR" altLang="fr-FR" sz="1000" b="0" i="0" u="none" strike="noStrike" cap="none" normalizeH="0" baseline="0">
-                <a:ln>
-                  <a:noFill/>
-                </a:ln>
-                <a:solidFill>
-                  <a:srgbClr val="CC7832"/>
-                </a:solidFill>
-                <a:effectLst/>
-                <a:latin typeface="JetBrains Mono"/>
-              </a:rPr>
-              <a:t>;</a:t>
-            </a:r>
-            <a:endParaRPr kumimoji="0" lang="fr-FR" altLang="fr-FR" sz="1800" b="0" i="0" u="none" strike="noStrike" cap="none" normalizeH="0" baseline="0">
-              <a:ln>
-                <a:noFill/>
-              </a:ln>
-              <a:solidFill>
-                <a:schemeClr val="tx1"/>
-              </a:solidFill>
-              <a:effectLst/>
-              <a:latin typeface="Arial" panose="020B0604020202020204" pitchFamily="34" charset="0"/>
-            </a:endParaRPr>
-          </a:p>
-        </p:txBody>
-      </p:sp>
-      <p:sp>
-        <p:nvSpPr>
           <p:cNvPr id="15" name="ZoneTexte 14">
             <a:extLst>
               <a:ext uri="{FF2B5EF4-FFF2-40B4-BE49-F238E27FC236}">
@@ -30821,7 +30193,7 @@
         </p:nvSpPr>
         <p:spPr bwMode="auto">
           <a:xfrm>
-            <a:off x="1050173" y="1640324"/>
+            <a:off x="971036" y="1631257"/>
             <a:ext cx="3796314" cy="400110"/>
           </a:xfrm>
           <a:prstGeom prst="rect">
@@ -31076,7 +30448,7 @@
         </p:nvSpPr>
         <p:spPr>
           <a:xfrm>
-            <a:off x="978284" y="2171176"/>
+            <a:off x="924529" y="3061044"/>
             <a:ext cx="3690434" cy="215444"/>
           </a:xfrm>
           <a:prstGeom prst="rect">
@@ -31146,7 +30518,7 @@
         </p:nvSpPr>
         <p:spPr>
           <a:xfrm>
-            <a:off x="978284" y="2989826"/>
+            <a:off x="924529" y="3681804"/>
             <a:ext cx="4825360" cy="215444"/>
           </a:xfrm>
           <a:prstGeom prst="rect">
@@ -31181,7 +30553,7 @@
         </p:nvSpPr>
         <p:spPr>
           <a:xfrm>
-            <a:off x="965364" y="3966480"/>
+            <a:off x="924529" y="4251298"/>
             <a:ext cx="4786888" cy="215444"/>
           </a:xfrm>
           <a:prstGeom prst="rect">
@@ -31198,6 +30570,1371 @@
             <a:r>
               <a:rPr lang="fr-FR" sz="800" dirty="0"/>
               <a:t>Ecriture de la liste regroupé et compté de symptômes par ordre alphabétique dans le fichier de sortie</a:t>
+            </a:r>
+          </a:p>
+        </p:txBody>
+      </p:sp>
+      <p:sp>
+        <p:nvSpPr>
+          <p:cNvPr id="4" name="Rectangle 2">
+            <a:extLst>
+              <a:ext uri="{FF2B5EF4-FFF2-40B4-BE49-F238E27FC236}">
+                <a16:creationId xmlns:a16="http://schemas.microsoft.com/office/drawing/2014/main" id="{C14384DB-3693-4A6A-93CC-C4BF5E88505E}"/>
+              </a:ext>
+            </a:extLst>
+          </p:cNvPr>
+          <p:cNvSpPr>
+            <a:spLocks noChangeArrowheads="1"/>
+          </p:cNvSpPr>
+          <p:nvPr/>
+        </p:nvSpPr>
+        <p:spPr bwMode="auto">
+          <a:xfrm>
+            <a:off x="991228" y="3327754"/>
+            <a:ext cx="3796314" cy="246221"/>
+          </a:xfrm>
+          <a:prstGeom prst="rect">
+            <a:avLst/>
+          </a:prstGeom>
+          <a:solidFill>
+            <a:srgbClr val="2B2B2B"/>
+          </a:solidFill>
+          <a:ln>
+            <a:noFill/>
+          </a:ln>
+          <a:effectLst/>
+          <a:extLst>
+            <a:ext uri="{91240B29-F687-4F45-9708-019B960494DF}">
+              <a14:hiddenLine xmlns:a14="http://schemas.microsoft.com/office/drawing/2010/main" w="9525">
+                <a:solidFill>
+                  <a:schemeClr val="tx1"/>
+                </a:solidFill>
+                <a:miter lim="800000"/>
+                <a:headEnd/>
+                <a:tailEnd/>
+              </a14:hiddenLine>
+            </a:ext>
+            <a:ext uri="{AF507438-7753-43E0-B8FC-AC1667EBCBE1}">
+              <a14:hiddenEffects xmlns:a14="http://schemas.microsoft.com/office/drawing/2010/main">
+                <a:effectLst>
+                  <a:outerShdw dist="35921" dir="2700000" algn="ctr" rotWithShape="0">
+                    <a:schemeClr val="bg2"/>
+                  </a:outerShdw>
+                </a:effectLst>
+              </a14:hiddenEffects>
+            </a:ext>
+          </a:extLst>
+        </p:spPr>
+        <p:txBody>
+          <a:bodyPr vert="horz" wrap="square" lIns="91440" tIns="45720" rIns="91440" bIns="45720" numCol="1" anchor="ctr" anchorCtr="0" compatLnSpc="1">
+            <a:prstTxWarp prst="textNoShape">
+              <a:avLst/>
+            </a:prstTxWarp>
+            <a:spAutoFit/>
+          </a:bodyPr>
+          <a:lstStyle/>
+          <a:p>
+            <a:pPr marL="0" marR="0" lvl="0" indent="0" algn="l" defTabSz="914400" rtl="0" eaLnBrk="0" fontAlgn="base" latinLnBrk="0" hangingPunct="0">
+              <a:lnSpc>
+                <a:spcPct val="100000"/>
+              </a:lnSpc>
+              <a:spcBef>
+                <a:spcPct val="0"/>
+              </a:spcBef>
+              <a:spcAft>
+                <a:spcPct val="0"/>
+              </a:spcAft>
+              <a:buClrTx/>
+              <a:buSzTx/>
+              <a:buFontTx/>
+              <a:buNone/>
+              <a:tabLst/>
+            </a:pPr>
+            <a:r>
+              <a:rPr kumimoji="0" lang="fr-FR" altLang="fr-FR" sz="1000" b="0" i="0" u="none" strike="noStrike" cap="none" normalizeH="0" baseline="0" dirty="0" err="1">
+                <a:ln>
+                  <a:noFill/>
+                </a:ln>
+                <a:solidFill>
+                  <a:srgbClr val="A9B7C6"/>
+                </a:solidFill>
+                <a:effectLst/>
+                <a:latin typeface="JetBrains Mono"/>
+              </a:rPr>
+              <a:t>l_allSymptoms</a:t>
+            </a:r>
+            <a:r>
+              <a:rPr kumimoji="0" lang="fr-FR" altLang="fr-FR" sz="1000" b="0" i="0" u="none" strike="noStrike" cap="none" normalizeH="0" baseline="0" dirty="0">
+                <a:ln>
+                  <a:noFill/>
+                </a:ln>
+                <a:solidFill>
+                  <a:srgbClr val="A9B7C6"/>
+                </a:solidFill>
+                <a:effectLst/>
+                <a:latin typeface="JetBrains Mono"/>
+              </a:rPr>
+              <a:t> = </a:t>
+            </a:r>
+            <a:r>
+              <a:rPr kumimoji="0" lang="fr-FR" altLang="fr-FR" sz="1000" b="0" i="0" u="none" strike="noStrike" cap="none" normalizeH="0" baseline="0" dirty="0" err="1">
+                <a:ln>
+                  <a:noFill/>
+                </a:ln>
+                <a:solidFill>
+                  <a:srgbClr val="A9B7C6"/>
+                </a:solidFill>
+                <a:effectLst/>
+                <a:latin typeface="JetBrains Mono"/>
+              </a:rPr>
+              <a:t>readSymptomDataFromFile.GetSymptoms</a:t>
+            </a:r>
+            <a:r>
+              <a:rPr kumimoji="0" lang="fr-FR" altLang="fr-FR" sz="1000" b="0" i="0" u="none" strike="noStrike" cap="none" normalizeH="0" baseline="0" dirty="0">
+                <a:ln>
+                  <a:noFill/>
+                </a:ln>
+                <a:solidFill>
+                  <a:srgbClr val="A9B7C6"/>
+                </a:solidFill>
+                <a:effectLst/>
+                <a:latin typeface="JetBrains Mono"/>
+              </a:rPr>
+              <a:t>()</a:t>
+            </a:r>
+            <a:r>
+              <a:rPr kumimoji="0" lang="fr-FR" altLang="fr-FR" sz="1000" b="0" i="0" u="none" strike="noStrike" cap="none" normalizeH="0" baseline="0" dirty="0">
+                <a:ln>
+                  <a:noFill/>
+                </a:ln>
+                <a:solidFill>
+                  <a:srgbClr val="CC7832"/>
+                </a:solidFill>
+                <a:effectLst/>
+                <a:latin typeface="JetBrains Mono"/>
+              </a:rPr>
+              <a:t>;</a:t>
+            </a:r>
+            <a:endParaRPr kumimoji="0" lang="fr-FR" altLang="fr-FR" sz="1800" b="0" i="0" u="none" strike="noStrike" cap="none" normalizeH="0" baseline="0" dirty="0">
+              <a:ln>
+                <a:noFill/>
+              </a:ln>
+              <a:solidFill>
+                <a:schemeClr val="tx1"/>
+              </a:solidFill>
+              <a:effectLst/>
+              <a:latin typeface="Arial" panose="020B0604020202020204" pitchFamily="34" charset="0"/>
+            </a:endParaRPr>
+          </a:p>
+        </p:txBody>
+      </p:sp>
+      <p:sp>
+        <p:nvSpPr>
+          <p:cNvPr id="5" name="Rectangle 3">
+            <a:extLst>
+              <a:ext uri="{FF2B5EF4-FFF2-40B4-BE49-F238E27FC236}">
+                <a16:creationId xmlns:a16="http://schemas.microsoft.com/office/drawing/2014/main" id="{4F75D864-7656-45CF-9942-4232A0097992}"/>
+              </a:ext>
+            </a:extLst>
+          </p:cNvPr>
+          <p:cNvSpPr>
+            <a:spLocks noChangeArrowheads="1"/>
+          </p:cNvSpPr>
+          <p:nvPr/>
+        </p:nvSpPr>
+        <p:spPr bwMode="auto">
+          <a:xfrm>
+            <a:off x="1026168" y="3969075"/>
+            <a:ext cx="4572000" cy="246221"/>
+          </a:xfrm>
+          <a:prstGeom prst="rect">
+            <a:avLst/>
+          </a:prstGeom>
+          <a:solidFill>
+            <a:srgbClr val="2B2B2B"/>
+          </a:solidFill>
+          <a:ln>
+            <a:noFill/>
+          </a:ln>
+          <a:effectLst/>
+          <a:extLst>
+            <a:ext uri="{91240B29-F687-4F45-9708-019B960494DF}">
+              <a14:hiddenLine xmlns:a14="http://schemas.microsoft.com/office/drawing/2010/main" w="9525">
+                <a:solidFill>
+                  <a:schemeClr val="tx1"/>
+                </a:solidFill>
+                <a:miter lim="800000"/>
+                <a:headEnd/>
+                <a:tailEnd/>
+              </a14:hiddenLine>
+            </a:ext>
+            <a:ext uri="{AF507438-7753-43E0-B8FC-AC1667EBCBE1}">
+              <a14:hiddenEffects xmlns:a14="http://schemas.microsoft.com/office/drawing/2010/main">
+                <a:effectLst>
+                  <a:outerShdw dist="35921" dir="2700000" algn="ctr" rotWithShape="0">
+                    <a:schemeClr val="bg2"/>
+                  </a:outerShdw>
+                </a:effectLst>
+              </a14:hiddenEffects>
+            </a:ext>
+          </a:extLst>
+        </p:spPr>
+        <p:txBody>
+          <a:bodyPr vert="horz" wrap="square" lIns="91440" tIns="45720" rIns="91440" bIns="45720" numCol="1" anchor="ctr" anchorCtr="0" compatLnSpc="1">
+            <a:prstTxWarp prst="textNoShape">
+              <a:avLst/>
+            </a:prstTxWarp>
+            <a:spAutoFit/>
+          </a:bodyPr>
+          <a:lstStyle/>
+          <a:p>
+            <a:pPr marL="0" marR="0" lvl="0" indent="0" algn="l" defTabSz="914400" rtl="0" eaLnBrk="0" fontAlgn="base" latinLnBrk="0" hangingPunct="0">
+              <a:lnSpc>
+                <a:spcPct val="100000"/>
+              </a:lnSpc>
+              <a:spcBef>
+                <a:spcPct val="0"/>
+              </a:spcBef>
+              <a:spcAft>
+                <a:spcPct val="0"/>
+              </a:spcAft>
+              <a:buClrTx/>
+              <a:buSzTx/>
+              <a:buFontTx/>
+              <a:buNone/>
+              <a:tabLst/>
+            </a:pPr>
+            <a:r>
+              <a:rPr kumimoji="0" lang="fr-FR" altLang="fr-FR" sz="1000" b="0" i="0" u="none" strike="noStrike" cap="none" normalizeH="0" baseline="0" dirty="0" err="1">
+                <a:ln>
+                  <a:noFill/>
+                </a:ln>
+                <a:solidFill>
+                  <a:srgbClr val="A9B7C6"/>
+                </a:solidFill>
+                <a:effectLst/>
+                <a:latin typeface="JetBrains Mono"/>
+              </a:rPr>
+              <a:t>l_allSymptomsCount</a:t>
+            </a:r>
+            <a:r>
+              <a:rPr kumimoji="0" lang="fr-FR" altLang="fr-FR" sz="1000" b="0" i="0" u="none" strike="noStrike" cap="none" normalizeH="0" baseline="0" dirty="0">
+                <a:ln>
+                  <a:noFill/>
+                </a:ln>
+                <a:solidFill>
+                  <a:srgbClr val="A9B7C6"/>
+                </a:solidFill>
+                <a:effectLst/>
+                <a:latin typeface="JetBrains Mono"/>
+              </a:rPr>
+              <a:t> = </a:t>
+            </a:r>
+            <a:r>
+              <a:rPr kumimoji="0" lang="fr-FR" altLang="fr-FR" sz="1000" b="0" i="0" u="none" strike="noStrike" cap="none" normalizeH="0" baseline="0" dirty="0" err="1">
+                <a:ln>
+                  <a:noFill/>
+                </a:ln>
+                <a:solidFill>
+                  <a:srgbClr val="A9B7C6"/>
+                </a:solidFill>
+                <a:effectLst/>
+                <a:latin typeface="JetBrains Mono"/>
+              </a:rPr>
+              <a:t>symptomAnalysis.CountNumberOfSymptom</a:t>
+            </a:r>
+            <a:r>
+              <a:rPr kumimoji="0" lang="fr-FR" altLang="fr-FR" sz="1000" b="0" i="0" u="none" strike="noStrike" cap="none" normalizeH="0" baseline="0" dirty="0">
+                <a:ln>
+                  <a:noFill/>
+                </a:ln>
+                <a:solidFill>
+                  <a:srgbClr val="A9B7C6"/>
+                </a:solidFill>
+                <a:effectLst/>
+                <a:latin typeface="JetBrains Mono"/>
+              </a:rPr>
+              <a:t>(</a:t>
+            </a:r>
+            <a:r>
+              <a:rPr kumimoji="0" lang="fr-FR" altLang="fr-FR" sz="1000" b="0" i="0" u="none" strike="noStrike" cap="none" normalizeH="0" baseline="0" dirty="0" err="1">
+                <a:ln>
+                  <a:noFill/>
+                </a:ln>
+                <a:solidFill>
+                  <a:srgbClr val="A9B7C6"/>
+                </a:solidFill>
+                <a:effectLst/>
+                <a:latin typeface="JetBrains Mono"/>
+              </a:rPr>
+              <a:t>l_allSymptoms</a:t>
+            </a:r>
+            <a:r>
+              <a:rPr kumimoji="0" lang="fr-FR" altLang="fr-FR" sz="1000" b="0" i="0" u="none" strike="noStrike" cap="none" normalizeH="0" baseline="0" dirty="0">
+                <a:ln>
+                  <a:noFill/>
+                </a:ln>
+                <a:solidFill>
+                  <a:srgbClr val="A9B7C6"/>
+                </a:solidFill>
+                <a:effectLst/>
+                <a:latin typeface="JetBrains Mono"/>
+              </a:rPr>
+              <a:t>)</a:t>
+            </a:r>
+            <a:r>
+              <a:rPr kumimoji="0" lang="fr-FR" altLang="fr-FR" sz="1000" b="0" i="0" u="none" strike="noStrike" cap="none" normalizeH="0" baseline="0" dirty="0">
+                <a:ln>
+                  <a:noFill/>
+                </a:ln>
+                <a:solidFill>
+                  <a:srgbClr val="CC7832"/>
+                </a:solidFill>
+                <a:effectLst/>
+                <a:latin typeface="JetBrains Mono"/>
+              </a:rPr>
+              <a:t>;</a:t>
+            </a:r>
+            <a:endParaRPr kumimoji="0" lang="fr-FR" altLang="fr-FR" sz="1800" b="0" i="0" u="none" strike="noStrike" cap="none" normalizeH="0" baseline="0" dirty="0">
+              <a:ln>
+                <a:noFill/>
+              </a:ln>
+              <a:solidFill>
+                <a:schemeClr val="tx1"/>
+              </a:solidFill>
+              <a:effectLst/>
+              <a:latin typeface="Arial" panose="020B0604020202020204" pitchFamily="34" charset="0"/>
+            </a:endParaRPr>
+          </a:p>
+        </p:txBody>
+      </p:sp>
+      <p:sp>
+        <p:nvSpPr>
+          <p:cNvPr id="6" name="Rectangle 4">
+            <a:extLst>
+              <a:ext uri="{FF2B5EF4-FFF2-40B4-BE49-F238E27FC236}">
+                <a16:creationId xmlns:a16="http://schemas.microsoft.com/office/drawing/2014/main" id="{22F64E85-05E3-42ED-A754-647113E5B5C8}"/>
+              </a:ext>
+            </a:extLst>
+          </p:cNvPr>
+          <p:cNvSpPr>
+            <a:spLocks noChangeArrowheads="1"/>
+          </p:cNvSpPr>
+          <p:nvPr/>
+        </p:nvSpPr>
+        <p:spPr bwMode="auto">
+          <a:xfrm>
+            <a:off x="1026168" y="4549552"/>
+            <a:ext cx="5789732" cy="246221"/>
+          </a:xfrm>
+          <a:prstGeom prst="rect">
+            <a:avLst/>
+          </a:prstGeom>
+          <a:solidFill>
+            <a:srgbClr val="2B2B2B"/>
+          </a:solidFill>
+          <a:ln>
+            <a:noFill/>
+          </a:ln>
+          <a:effectLst/>
+          <a:extLst>
+            <a:ext uri="{91240B29-F687-4F45-9708-019B960494DF}">
+              <a14:hiddenLine xmlns:a14="http://schemas.microsoft.com/office/drawing/2010/main" w="9525">
+                <a:solidFill>
+                  <a:schemeClr val="tx1"/>
+                </a:solidFill>
+                <a:miter lim="800000"/>
+                <a:headEnd/>
+                <a:tailEnd/>
+              </a14:hiddenLine>
+            </a:ext>
+            <a:ext uri="{AF507438-7753-43E0-B8FC-AC1667EBCBE1}">
+              <a14:hiddenEffects xmlns:a14="http://schemas.microsoft.com/office/drawing/2010/main">
+                <a:effectLst>
+                  <a:outerShdw dist="35921" dir="2700000" algn="ctr" rotWithShape="0">
+                    <a:schemeClr val="bg2"/>
+                  </a:outerShdw>
+                </a:effectLst>
+              </a14:hiddenEffects>
+            </a:ext>
+          </a:extLst>
+        </p:spPr>
+        <p:txBody>
+          <a:bodyPr vert="horz" wrap="square" lIns="91440" tIns="45720" rIns="91440" bIns="45720" numCol="1" anchor="ctr" anchorCtr="0" compatLnSpc="1">
+            <a:prstTxWarp prst="textNoShape">
+              <a:avLst/>
+            </a:prstTxWarp>
+            <a:spAutoFit/>
+          </a:bodyPr>
+          <a:lstStyle/>
+          <a:p>
+            <a:pPr marL="0" marR="0" lvl="0" indent="0" algn="l" defTabSz="914400" rtl="0" eaLnBrk="0" fontAlgn="base" latinLnBrk="0" hangingPunct="0">
+              <a:lnSpc>
+                <a:spcPct val="100000"/>
+              </a:lnSpc>
+              <a:spcBef>
+                <a:spcPct val="0"/>
+              </a:spcBef>
+              <a:spcAft>
+                <a:spcPct val="0"/>
+              </a:spcAft>
+              <a:buClrTx/>
+              <a:buSzTx/>
+              <a:buFontTx/>
+              <a:buNone/>
+              <a:tabLst/>
+            </a:pPr>
+            <a:r>
+              <a:rPr kumimoji="0" lang="fr-FR" altLang="fr-FR" sz="1000" b="0" i="0" u="none" strike="noStrike" cap="none" normalizeH="0" baseline="0" dirty="0" err="1">
+                <a:ln>
+                  <a:noFill/>
+                </a:ln>
+                <a:solidFill>
+                  <a:srgbClr val="A9B7C6"/>
+                </a:solidFill>
+                <a:effectLst/>
+                <a:latin typeface="JetBrains Mono"/>
+              </a:rPr>
+              <a:t>writeSymptomAnalysisToOutput.PrintOutSymptoms</a:t>
+            </a:r>
+            <a:r>
+              <a:rPr kumimoji="0" lang="fr-FR" altLang="fr-FR" sz="1000" b="0" i="0" u="none" strike="noStrike" cap="none" normalizeH="0" baseline="0" dirty="0">
+                <a:ln>
+                  <a:noFill/>
+                </a:ln>
+                <a:solidFill>
+                  <a:srgbClr val="A9B7C6"/>
+                </a:solidFill>
+                <a:effectLst/>
+                <a:latin typeface="JetBrains Mono"/>
+              </a:rPr>
+              <a:t>(</a:t>
+            </a:r>
+            <a:r>
+              <a:rPr kumimoji="0" lang="fr-FR" altLang="fr-FR" sz="1000" b="0" i="0" u="none" strike="noStrike" cap="none" normalizeH="0" baseline="0" dirty="0" err="1">
+                <a:ln>
+                  <a:noFill/>
+                </a:ln>
+                <a:solidFill>
+                  <a:srgbClr val="A9B7C6"/>
+                </a:solidFill>
+                <a:effectLst/>
+                <a:latin typeface="JetBrains Mono"/>
+              </a:rPr>
+              <a:t>l_allSymptomsCount</a:t>
+            </a:r>
+            <a:r>
+              <a:rPr kumimoji="0" lang="fr-FR" altLang="fr-FR" sz="1000" b="0" i="0" u="none" strike="noStrike" cap="none" normalizeH="0" baseline="0" dirty="0" err="1">
+                <a:ln>
+                  <a:noFill/>
+                </a:ln>
+                <a:solidFill>
+                  <a:srgbClr val="CC7832"/>
+                </a:solidFill>
+                <a:effectLst/>
+                <a:latin typeface="JetBrains Mono"/>
+              </a:rPr>
+              <a:t>,</a:t>
+            </a:r>
+            <a:r>
+              <a:rPr kumimoji="0" lang="fr-FR" altLang="fr-FR" sz="1000" b="0" i="0" u="none" strike="noStrike" cap="none" normalizeH="0" baseline="0" dirty="0" err="1">
+                <a:ln>
+                  <a:noFill/>
+                </a:ln>
+                <a:solidFill>
+                  <a:srgbClr val="A9B7C6"/>
+                </a:solidFill>
+                <a:effectLst/>
+                <a:latin typeface="JetBrains Mono"/>
+              </a:rPr>
+              <a:t>symptomsFilePathOut</a:t>
+            </a:r>
+            <a:r>
+              <a:rPr kumimoji="0" lang="fr-FR" altLang="fr-FR" sz="1000" b="0" i="0" u="none" strike="noStrike" cap="none" normalizeH="0" baseline="0" dirty="0">
+                <a:ln>
+                  <a:noFill/>
+                </a:ln>
+                <a:solidFill>
+                  <a:srgbClr val="A9B7C6"/>
+                </a:solidFill>
+                <a:effectLst/>
+                <a:latin typeface="JetBrains Mono"/>
+              </a:rPr>
+              <a:t>)</a:t>
+            </a:r>
+            <a:r>
+              <a:rPr kumimoji="0" lang="fr-FR" altLang="fr-FR" sz="1000" b="0" i="0" u="none" strike="noStrike" cap="none" normalizeH="0" baseline="0" dirty="0">
+                <a:ln>
+                  <a:noFill/>
+                </a:ln>
+                <a:solidFill>
+                  <a:srgbClr val="CC7832"/>
+                </a:solidFill>
+                <a:effectLst/>
+                <a:latin typeface="JetBrains Mono"/>
+              </a:rPr>
+              <a:t>;</a:t>
+            </a:r>
+            <a:endParaRPr kumimoji="0" lang="fr-FR" altLang="fr-FR" sz="1800" b="0" i="0" u="none" strike="noStrike" cap="none" normalizeH="0" baseline="0" dirty="0">
+              <a:ln>
+                <a:noFill/>
+              </a:ln>
+              <a:solidFill>
+                <a:schemeClr val="tx1"/>
+              </a:solidFill>
+              <a:effectLst/>
+              <a:latin typeface="Arial" panose="020B0604020202020204" pitchFamily="34" charset="0"/>
+            </a:endParaRPr>
+          </a:p>
+        </p:txBody>
+      </p:sp>
+      <p:sp>
+        <p:nvSpPr>
+          <p:cNvPr id="17" name="Rectangle 6">
+            <a:extLst>
+              <a:ext uri="{FF2B5EF4-FFF2-40B4-BE49-F238E27FC236}">
+                <a16:creationId xmlns:a16="http://schemas.microsoft.com/office/drawing/2014/main" id="{2B755AF1-9820-424F-A3BC-6C4024CA5F08}"/>
+              </a:ext>
+            </a:extLst>
+          </p:cNvPr>
+          <p:cNvSpPr>
+            <a:spLocks noChangeArrowheads="1"/>
+          </p:cNvSpPr>
+          <p:nvPr/>
+        </p:nvSpPr>
+        <p:spPr bwMode="auto">
+          <a:xfrm>
+            <a:off x="978284" y="2471044"/>
+            <a:ext cx="6388266" cy="553998"/>
+          </a:xfrm>
+          <a:prstGeom prst="rect">
+            <a:avLst/>
+          </a:prstGeom>
+          <a:solidFill>
+            <a:srgbClr val="2B2B2B"/>
+          </a:solidFill>
+          <a:ln>
+            <a:noFill/>
+          </a:ln>
+          <a:effectLst/>
+          <a:extLst>
+            <a:ext uri="{91240B29-F687-4F45-9708-019B960494DF}">
+              <a14:hiddenLine xmlns:a14="http://schemas.microsoft.com/office/drawing/2010/main" w="9525">
+                <a:solidFill>
+                  <a:schemeClr val="tx1"/>
+                </a:solidFill>
+                <a:miter lim="800000"/>
+                <a:headEnd/>
+                <a:tailEnd/>
+              </a14:hiddenLine>
+            </a:ext>
+            <a:ext uri="{AF507438-7753-43E0-B8FC-AC1667EBCBE1}">
+              <a14:hiddenEffects xmlns:a14="http://schemas.microsoft.com/office/drawing/2010/main">
+                <a:effectLst>
+                  <a:outerShdw dist="35921" dir="2700000" algn="ctr" rotWithShape="0">
+                    <a:schemeClr val="bg2"/>
+                  </a:outerShdw>
+                </a:effectLst>
+              </a14:hiddenEffects>
+            </a:ext>
+          </a:extLst>
+        </p:spPr>
+        <p:txBody>
+          <a:bodyPr vert="horz" wrap="square" lIns="91440" tIns="45720" rIns="91440" bIns="45720" numCol="1" anchor="ctr" anchorCtr="0" compatLnSpc="1">
+            <a:prstTxWarp prst="textNoShape">
+              <a:avLst/>
+            </a:prstTxWarp>
+            <a:spAutoFit/>
+          </a:bodyPr>
+          <a:lstStyle/>
+          <a:p>
+            <a:pPr marL="0" marR="0" lvl="0" indent="0" algn="l" defTabSz="914400" rtl="0" eaLnBrk="0" fontAlgn="base" latinLnBrk="0" hangingPunct="0">
+              <a:lnSpc>
+                <a:spcPct val="100000"/>
+              </a:lnSpc>
+              <a:spcBef>
+                <a:spcPct val="0"/>
+              </a:spcBef>
+              <a:spcAft>
+                <a:spcPct val="0"/>
+              </a:spcAft>
+              <a:buClrTx/>
+              <a:buSzTx/>
+              <a:buFontTx/>
+              <a:buNone/>
+              <a:tabLst/>
+            </a:pPr>
+            <a:r>
+              <a:rPr kumimoji="0" lang="fr-FR" altLang="fr-FR" sz="1000" b="0" i="0" u="none" strike="noStrike" cap="none" normalizeH="0" baseline="0" dirty="0" err="1">
+                <a:ln>
+                  <a:noFill/>
+                </a:ln>
+                <a:solidFill>
+                  <a:srgbClr val="A9B7C6"/>
+                </a:solidFill>
+                <a:effectLst/>
+                <a:latin typeface="JetBrains Mono"/>
+              </a:rPr>
+              <a:t>ReadSymptomDataFromFile</a:t>
+            </a:r>
+            <a:r>
+              <a:rPr kumimoji="0" lang="fr-FR" altLang="fr-FR" sz="1000" b="0" i="0" u="none" strike="noStrike" cap="none" normalizeH="0" baseline="0" dirty="0">
+                <a:ln>
+                  <a:noFill/>
+                </a:ln>
+                <a:solidFill>
+                  <a:srgbClr val="A9B7C6"/>
+                </a:solidFill>
+                <a:effectLst/>
+                <a:latin typeface="JetBrains Mono"/>
+              </a:rPr>
+              <a:t> </a:t>
+            </a:r>
+            <a:r>
+              <a:rPr kumimoji="0" lang="fr-FR" altLang="fr-FR" sz="1000" b="0" i="0" u="none" strike="noStrike" cap="none" normalizeH="0" baseline="0" dirty="0" err="1">
+                <a:ln>
+                  <a:noFill/>
+                </a:ln>
+                <a:solidFill>
+                  <a:srgbClr val="A9B7C6"/>
+                </a:solidFill>
+                <a:effectLst/>
+                <a:latin typeface="JetBrains Mono"/>
+              </a:rPr>
+              <a:t>readSymptomDataFromFile</a:t>
+            </a:r>
+            <a:r>
+              <a:rPr kumimoji="0" lang="fr-FR" altLang="fr-FR" sz="1000" b="0" i="0" u="none" strike="noStrike" cap="none" normalizeH="0" baseline="0" dirty="0">
+                <a:ln>
+                  <a:noFill/>
+                </a:ln>
+                <a:solidFill>
+                  <a:srgbClr val="A9B7C6"/>
+                </a:solidFill>
+                <a:effectLst/>
+                <a:latin typeface="JetBrains Mono"/>
+              </a:rPr>
+              <a:t> = </a:t>
+            </a:r>
+            <a:r>
+              <a:rPr kumimoji="0" lang="fr-FR" altLang="fr-FR" sz="1000" b="0" i="0" u="none" strike="noStrike" cap="none" normalizeH="0" baseline="0" dirty="0">
+                <a:ln>
+                  <a:noFill/>
+                </a:ln>
+                <a:solidFill>
+                  <a:srgbClr val="CC7832"/>
+                </a:solidFill>
+                <a:effectLst/>
+                <a:latin typeface="JetBrains Mono"/>
+              </a:rPr>
+              <a:t>new </a:t>
+            </a:r>
+            <a:r>
+              <a:rPr kumimoji="0" lang="fr-FR" altLang="fr-FR" sz="1000" b="0" i="0" u="none" strike="noStrike" cap="none" normalizeH="0" baseline="0" dirty="0" err="1">
+                <a:ln>
+                  <a:noFill/>
+                </a:ln>
+                <a:solidFill>
+                  <a:srgbClr val="A9B7C6"/>
+                </a:solidFill>
+                <a:effectLst/>
+                <a:latin typeface="JetBrains Mono"/>
+              </a:rPr>
+              <a:t>ReadSymptomDataFromFile</a:t>
+            </a:r>
+            <a:r>
+              <a:rPr kumimoji="0" lang="fr-FR" altLang="fr-FR" sz="1000" b="0" i="0" u="none" strike="noStrike" cap="none" normalizeH="0" baseline="0" dirty="0">
+                <a:ln>
+                  <a:noFill/>
+                </a:ln>
+                <a:solidFill>
+                  <a:srgbClr val="A9B7C6"/>
+                </a:solidFill>
+                <a:effectLst/>
+                <a:latin typeface="JetBrains Mono"/>
+              </a:rPr>
+              <a:t>(</a:t>
+            </a:r>
+            <a:r>
+              <a:rPr kumimoji="0" lang="fr-FR" altLang="fr-FR" sz="1000" b="0" i="0" u="none" strike="noStrike" cap="none" normalizeH="0" baseline="0" dirty="0" err="1">
+                <a:ln>
+                  <a:noFill/>
+                </a:ln>
+                <a:solidFill>
+                  <a:srgbClr val="A9B7C6"/>
+                </a:solidFill>
+                <a:effectLst/>
+                <a:latin typeface="JetBrains Mono"/>
+              </a:rPr>
+              <a:t>symptomsFilePathIn</a:t>
+            </a:r>
+            <a:r>
+              <a:rPr kumimoji="0" lang="fr-FR" altLang="fr-FR" sz="1000" b="0" i="0" u="none" strike="noStrike" cap="none" normalizeH="0" baseline="0" dirty="0">
+                <a:ln>
+                  <a:noFill/>
+                </a:ln>
+                <a:solidFill>
+                  <a:srgbClr val="A9B7C6"/>
+                </a:solidFill>
+                <a:effectLst/>
+                <a:latin typeface="JetBrains Mono"/>
+              </a:rPr>
+              <a:t>)</a:t>
+            </a:r>
+            <a:r>
+              <a:rPr kumimoji="0" lang="fr-FR" altLang="fr-FR" sz="1000" b="0" i="0" u="none" strike="noStrike" cap="none" normalizeH="0" baseline="0" dirty="0">
+                <a:ln>
+                  <a:noFill/>
+                </a:ln>
+                <a:solidFill>
+                  <a:srgbClr val="CC7832"/>
+                </a:solidFill>
+                <a:effectLst/>
+                <a:latin typeface="JetBrains Mono"/>
+              </a:rPr>
+              <a:t>;</a:t>
+            </a:r>
+            <a:br>
+              <a:rPr kumimoji="0" lang="fr-FR" altLang="fr-FR" sz="1000" b="0" i="0" u="none" strike="noStrike" cap="none" normalizeH="0" baseline="0" dirty="0">
+                <a:ln>
+                  <a:noFill/>
+                </a:ln>
+                <a:solidFill>
+                  <a:srgbClr val="CC7832"/>
+                </a:solidFill>
+                <a:effectLst/>
+                <a:latin typeface="JetBrains Mono"/>
+              </a:rPr>
+            </a:br>
+            <a:r>
+              <a:rPr kumimoji="0" lang="fr-FR" altLang="fr-FR" sz="1000" b="0" i="0" u="none" strike="noStrike" cap="none" normalizeH="0" baseline="0" dirty="0" err="1">
+                <a:ln>
+                  <a:noFill/>
+                </a:ln>
+                <a:solidFill>
+                  <a:srgbClr val="A9B7C6"/>
+                </a:solidFill>
+                <a:effectLst/>
+                <a:latin typeface="JetBrains Mono"/>
+              </a:rPr>
+              <a:t>SymptomAnalysis</a:t>
+            </a:r>
+            <a:r>
+              <a:rPr kumimoji="0" lang="fr-FR" altLang="fr-FR" sz="1000" b="0" i="0" u="none" strike="noStrike" cap="none" normalizeH="0" baseline="0" dirty="0">
+                <a:ln>
+                  <a:noFill/>
+                </a:ln>
+                <a:solidFill>
+                  <a:srgbClr val="A9B7C6"/>
+                </a:solidFill>
+                <a:effectLst/>
+                <a:latin typeface="JetBrains Mono"/>
+              </a:rPr>
+              <a:t> </a:t>
+            </a:r>
+            <a:r>
+              <a:rPr kumimoji="0" lang="fr-FR" altLang="fr-FR" sz="1000" b="0" i="0" u="none" strike="noStrike" cap="none" normalizeH="0" baseline="0" dirty="0" err="1">
+                <a:ln>
+                  <a:noFill/>
+                </a:ln>
+                <a:solidFill>
+                  <a:srgbClr val="A9B7C6"/>
+                </a:solidFill>
+                <a:effectLst/>
+                <a:latin typeface="JetBrains Mono"/>
+              </a:rPr>
+              <a:t>symptomAnalysis</a:t>
+            </a:r>
+            <a:r>
+              <a:rPr kumimoji="0" lang="fr-FR" altLang="fr-FR" sz="1000" b="0" i="0" u="none" strike="noStrike" cap="none" normalizeH="0" baseline="0" dirty="0">
+                <a:ln>
+                  <a:noFill/>
+                </a:ln>
+                <a:solidFill>
+                  <a:srgbClr val="A9B7C6"/>
+                </a:solidFill>
+                <a:effectLst/>
+                <a:latin typeface="JetBrains Mono"/>
+              </a:rPr>
+              <a:t> = </a:t>
+            </a:r>
+            <a:r>
+              <a:rPr kumimoji="0" lang="fr-FR" altLang="fr-FR" sz="1000" b="0" i="0" u="none" strike="noStrike" cap="none" normalizeH="0" baseline="0" dirty="0">
+                <a:ln>
+                  <a:noFill/>
+                </a:ln>
+                <a:solidFill>
+                  <a:srgbClr val="CC7832"/>
+                </a:solidFill>
+                <a:effectLst/>
+                <a:latin typeface="JetBrains Mono"/>
+              </a:rPr>
+              <a:t>new </a:t>
+            </a:r>
+            <a:r>
+              <a:rPr kumimoji="0" lang="fr-FR" altLang="fr-FR" sz="1000" b="0" i="0" u="none" strike="noStrike" cap="none" normalizeH="0" baseline="0" dirty="0" err="1">
+                <a:ln>
+                  <a:noFill/>
+                </a:ln>
+                <a:solidFill>
+                  <a:srgbClr val="A9B7C6"/>
+                </a:solidFill>
+                <a:effectLst/>
+                <a:latin typeface="JetBrains Mono"/>
+              </a:rPr>
+              <a:t>SymptomAnalysis</a:t>
+            </a:r>
+            <a:r>
+              <a:rPr kumimoji="0" lang="fr-FR" altLang="fr-FR" sz="1000" b="0" i="0" u="none" strike="noStrike" cap="none" normalizeH="0" baseline="0" dirty="0">
+                <a:ln>
+                  <a:noFill/>
+                </a:ln>
+                <a:solidFill>
+                  <a:srgbClr val="A9B7C6"/>
+                </a:solidFill>
+                <a:effectLst/>
+                <a:latin typeface="JetBrains Mono"/>
+              </a:rPr>
+              <a:t>()</a:t>
+            </a:r>
+            <a:r>
+              <a:rPr kumimoji="0" lang="fr-FR" altLang="fr-FR" sz="1000" b="0" i="0" u="none" strike="noStrike" cap="none" normalizeH="0" baseline="0" dirty="0">
+                <a:ln>
+                  <a:noFill/>
+                </a:ln>
+                <a:solidFill>
+                  <a:srgbClr val="CC7832"/>
+                </a:solidFill>
+                <a:effectLst/>
+                <a:latin typeface="JetBrains Mono"/>
+              </a:rPr>
+              <a:t>;</a:t>
+            </a:r>
+            <a:br>
+              <a:rPr kumimoji="0" lang="fr-FR" altLang="fr-FR" sz="1000" b="0" i="0" u="none" strike="noStrike" cap="none" normalizeH="0" baseline="0" dirty="0">
+                <a:ln>
+                  <a:noFill/>
+                </a:ln>
+                <a:solidFill>
+                  <a:srgbClr val="CC7832"/>
+                </a:solidFill>
+                <a:effectLst/>
+                <a:latin typeface="JetBrains Mono"/>
+              </a:rPr>
+            </a:br>
+            <a:r>
+              <a:rPr kumimoji="0" lang="fr-FR" altLang="fr-FR" sz="1000" b="0" i="0" u="none" strike="noStrike" cap="none" normalizeH="0" baseline="0" dirty="0" err="1">
+                <a:ln>
+                  <a:noFill/>
+                </a:ln>
+                <a:solidFill>
+                  <a:srgbClr val="A9B7C6"/>
+                </a:solidFill>
+                <a:effectLst/>
+                <a:latin typeface="JetBrains Mono"/>
+              </a:rPr>
+              <a:t>WriteSymptomAnalysisToOutput</a:t>
+            </a:r>
+            <a:r>
+              <a:rPr kumimoji="0" lang="fr-FR" altLang="fr-FR" sz="1000" b="0" i="0" u="none" strike="noStrike" cap="none" normalizeH="0" baseline="0" dirty="0">
+                <a:ln>
+                  <a:noFill/>
+                </a:ln>
+                <a:solidFill>
+                  <a:srgbClr val="A9B7C6"/>
+                </a:solidFill>
+                <a:effectLst/>
+                <a:latin typeface="JetBrains Mono"/>
+              </a:rPr>
+              <a:t> </a:t>
+            </a:r>
+            <a:r>
+              <a:rPr kumimoji="0" lang="fr-FR" altLang="fr-FR" sz="1000" b="0" i="0" u="none" strike="noStrike" cap="none" normalizeH="0" baseline="0" dirty="0" err="1">
+                <a:ln>
+                  <a:noFill/>
+                </a:ln>
+                <a:solidFill>
+                  <a:srgbClr val="A9B7C6"/>
+                </a:solidFill>
+                <a:effectLst/>
+                <a:latin typeface="JetBrains Mono"/>
+              </a:rPr>
+              <a:t>writeSymptomAnalysisToOutput</a:t>
+            </a:r>
+            <a:r>
+              <a:rPr kumimoji="0" lang="fr-FR" altLang="fr-FR" sz="1000" b="0" i="0" u="none" strike="noStrike" cap="none" normalizeH="0" baseline="0" dirty="0">
+                <a:ln>
+                  <a:noFill/>
+                </a:ln>
+                <a:solidFill>
+                  <a:srgbClr val="A9B7C6"/>
+                </a:solidFill>
+                <a:effectLst/>
+                <a:latin typeface="JetBrains Mono"/>
+              </a:rPr>
+              <a:t> = </a:t>
+            </a:r>
+            <a:r>
+              <a:rPr kumimoji="0" lang="fr-FR" altLang="fr-FR" sz="1000" b="0" i="0" u="none" strike="noStrike" cap="none" normalizeH="0" baseline="0" dirty="0">
+                <a:ln>
+                  <a:noFill/>
+                </a:ln>
+                <a:solidFill>
+                  <a:srgbClr val="CC7832"/>
+                </a:solidFill>
+                <a:effectLst/>
+                <a:latin typeface="JetBrains Mono"/>
+              </a:rPr>
+              <a:t>new </a:t>
+            </a:r>
+            <a:r>
+              <a:rPr kumimoji="0" lang="fr-FR" altLang="fr-FR" sz="1000" b="0" i="0" u="none" strike="noStrike" cap="none" normalizeH="0" baseline="0" dirty="0" err="1">
+                <a:ln>
+                  <a:noFill/>
+                </a:ln>
+                <a:solidFill>
+                  <a:srgbClr val="A9B7C6"/>
+                </a:solidFill>
+                <a:effectLst/>
+                <a:latin typeface="JetBrains Mono"/>
+              </a:rPr>
+              <a:t>WriteSymptomAnalysisToOutput</a:t>
+            </a:r>
+            <a:r>
+              <a:rPr kumimoji="0" lang="fr-FR" altLang="fr-FR" sz="1000" b="0" i="0" u="none" strike="noStrike" cap="none" normalizeH="0" baseline="0" dirty="0">
+                <a:ln>
+                  <a:noFill/>
+                </a:ln>
+                <a:solidFill>
+                  <a:srgbClr val="A9B7C6"/>
+                </a:solidFill>
+                <a:effectLst/>
+                <a:latin typeface="JetBrains Mono"/>
+              </a:rPr>
+              <a:t>()</a:t>
+            </a:r>
+            <a:r>
+              <a:rPr kumimoji="0" lang="fr-FR" altLang="fr-FR" sz="1000" b="0" i="0" u="none" strike="noStrike" cap="none" normalizeH="0" baseline="0" dirty="0">
+                <a:ln>
+                  <a:noFill/>
+                </a:ln>
+                <a:solidFill>
+                  <a:srgbClr val="CC7832"/>
+                </a:solidFill>
+                <a:effectLst/>
+                <a:latin typeface="JetBrains Mono"/>
+              </a:rPr>
+              <a:t>;</a:t>
+            </a:r>
+            <a:endParaRPr kumimoji="0" lang="fr-FR" altLang="fr-FR" sz="1800" b="0" i="0" u="none" strike="noStrike" cap="none" normalizeH="0" baseline="0" dirty="0">
+              <a:ln>
+                <a:noFill/>
+              </a:ln>
+              <a:solidFill>
+                <a:schemeClr val="tx1"/>
+              </a:solidFill>
+              <a:effectLst/>
+              <a:latin typeface="Arial" panose="020B0604020202020204" pitchFamily="34" charset="0"/>
+            </a:endParaRPr>
+          </a:p>
+        </p:txBody>
+      </p:sp>
+      <p:sp>
+        <p:nvSpPr>
+          <p:cNvPr id="19" name="Rectangle 7">
+            <a:extLst>
+              <a:ext uri="{FF2B5EF4-FFF2-40B4-BE49-F238E27FC236}">
+                <a16:creationId xmlns:a16="http://schemas.microsoft.com/office/drawing/2014/main" id="{E56A1C80-6486-42D2-98F3-A776B85D3A46}"/>
+              </a:ext>
+            </a:extLst>
+          </p:cNvPr>
+          <p:cNvSpPr>
+            <a:spLocks noChangeArrowheads="1"/>
+          </p:cNvSpPr>
+          <p:nvPr/>
+        </p:nvSpPr>
+        <p:spPr bwMode="auto">
+          <a:xfrm>
+            <a:off x="978284" y="2058743"/>
+            <a:ext cx="4322379" cy="400110"/>
+          </a:xfrm>
+          <a:prstGeom prst="rect">
+            <a:avLst/>
+          </a:prstGeom>
+          <a:solidFill>
+            <a:srgbClr val="2B2B2B"/>
+          </a:solidFill>
+          <a:ln>
+            <a:noFill/>
+          </a:ln>
+          <a:effectLst/>
+          <a:extLst>
+            <a:ext uri="{91240B29-F687-4F45-9708-019B960494DF}">
+              <a14:hiddenLine xmlns:a14="http://schemas.microsoft.com/office/drawing/2010/main" w="9525">
+                <a:solidFill>
+                  <a:schemeClr val="tx1"/>
+                </a:solidFill>
+                <a:miter lim="800000"/>
+                <a:headEnd/>
+                <a:tailEnd/>
+              </a14:hiddenLine>
+            </a:ext>
+            <a:ext uri="{AF507438-7753-43E0-B8FC-AC1667EBCBE1}">
+              <a14:hiddenEffects xmlns:a14="http://schemas.microsoft.com/office/drawing/2010/main">
+                <a:effectLst>
+                  <a:outerShdw dist="35921" dir="2700000" algn="ctr" rotWithShape="0">
+                    <a:schemeClr val="bg2"/>
+                  </a:outerShdw>
+                </a:effectLst>
+              </a14:hiddenEffects>
+            </a:ext>
+          </a:extLst>
+        </p:spPr>
+        <p:txBody>
+          <a:bodyPr vert="horz" wrap="square" lIns="91440" tIns="45720" rIns="91440" bIns="45720" numCol="1" anchor="ctr" anchorCtr="0" compatLnSpc="1">
+            <a:prstTxWarp prst="textNoShape">
+              <a:avLst/>
+            </a:prstTxWarp>
+            <a:spAutoFit/>
+          </a:bodyPr>
+          <a:lstStyle/>
+          <a:p>
+            <a:pPr marL="0" marR="0" lvl="0" indent="0" algn="l" defTabSz="914400" rtl="0" eaLnBrk="0" fontAlgn="base" latinLnBrk="0" hangingPunct="0">
+              <a:lnSpc>
+                <a:spcPct val="100000"/>
+              </a:lnSpc>
+              <a:spcBef>
+                <a:spcPct val="0"/>
+              </a:spcBef>
+              <a:spcAft>
+                <a:spcPct val="0"/>
+              </a:spcAft>
+              <a:buClrTx/>
+              <a:buSzTx/>
+              <a:buFontTx/>
+              <a:buNone/>
+              <a:tabLst/>
+            </a:pPr>
+            <a:r>
+              <a:rPr kumimoji="0" lang="fr-FR" altLang="fr-FR" sz="1000" b="0" i="0" u="none" strike="noStrike" cap="none" normalizeH="0" baseline="0">
+                <a:ln>
+                  <a:noFill/>
+                </a:ln>
+                <a:solidFill>
+                  <a:srgbClr val="A9B7C6"/>
+                </a:solidFill>
+                <a:effectLst/>
+                <a:latin typeface="JetBrains Mono"/>
+              </a:rPr>
+              <a:t>List&lt;String&gt; l_allSymptoms = </a:t>
+            </a:r>
+            <a:r>
+              <a:rPr kumimoji="0" lang="fr-FR" altLang="fr-FR" sz="1000" b="0" i="0" u="none" strike="noStrike" cap="none" normalizeH="0" baseline="0">
+                <a:ln>
+                  <a:noFill/>
+                </a:ln>
+                <a:solidFill>
+                  <a:srgbClr val="CC7832"/>
+                </a:solidFill>
+                <a:effectLst/>
+                <a:latin typeface="JetBrains Mono"/>
+              </a:rPr>
+              <a:t>new </a:t>
+            </a:r>
+            <a:r>
+              <a:rPr kumimoji="0" lang="fr-FR" altLang="fr-FR" sz="1000" b="0" i="0" u="none" strike="noStrike" cap="none" normalizeH="0" baseline="0">
+                <a:ln>
+                  <a:noFill/>
+                </a:ln>
+                <a:solidFill>
+                  <a:srgbClr val="A9B7C6"/>
+                </a:solidFill>
+                <a:effectLst/>
+                <a:latin typeface="JetBrains Mono"/>
+              </a:rPr>
+              <a:t>ArrayList&lt;String&gt;()</a:t>
+            </a:r>
+            <a:r>
+              <a:rPr kumimoji="0" lang="fr-FR" altLang="fr-FR" sz="1000" b="0" i="0" u="none" strike="noStrike" cap="none" normalizeH="0" baseline="0">
+                <a:ln>
+                  <a:noFill/>
+                </a:ln>
+                <a:solidFill>
+                  <a:srgbClr val="CC7832"/>
+                </a:solidFill>
+                <a:effectLst/>
+                <a:latin typeface="JetBrains Mono"/>
+              </a:rPr>
+              <a:t>;</a:t>
+            </a:r>
+            <a:br>
+              <a:rPr kumimoji="0" lang="fr-FR" altLang="fr-FR" sz="1000" b="0" i="0" u="none" strike="noStrike" cap="none" normalizeH="0" baseline="0">
+                <a:ln>
+                  <a:noFill/>
+                </a:ln>
+                <a:solidFill>
+                  <a:srgbClr val="CC7832"/>
+                </a:solidFill>
+                <a:effectLst/>
+                <a:latin typeface="JetBrains Mono"/>
+              </a:rPr>
+            </a:br>
+            <a:r>
+              <a:rPr kumimoji="0" lang="fr-FR" altLang="fr-FR" sz="1000" b="0" i="0" u="none" strike="noStrike" cap="none" normalizeH="0" baseline="0">
+                <a:ln>
+                  <a:noFill/>
+                </a:ln>
+                <a:solidFill>
+                  <a:srgbClr val="A9B7C6"/>
+                </a:solidFill>
+                <a:effectLst/>
+                <a:latin typeface="JetBrains Mono"/>
+              </a:rPr>
+              <a:t>Map&lt;String</a:t>
+            </a:r>
+            <a:r>
+              <a:rPr kumimoji="0" lang="fr-FR" altLang="fr-FR" sz="1000" b="0" i="0" u="none" strike="noStrike" cap="none" normalizeH="0" baseline="0">
+                <a:ln>
+                  <a:noFill/>
+                </a:ln>
+                <a:solidFill>
+                  <a:srgbClr val="CC7832"/>
+                </a:solidFill>
+                <a:effectLst/>
+                <a:latin typeface="JetBrains Mono"/>
+              </a:rPr>
+              <a:t>,</a:t>
+            </a:r>
+            <a:r>
+              <a:rPr kumimoji="0" lang="fr-FR" altLang="fr-FR" sz="1000" b="0" i="0" u="none" strike="noStrike" cap="none" normalizeH="0" baseline="0">
+                <a:ln>
+                  <a:noFill/>
+                </a:ln>
+                <a:solidFill>
+                  <a:srgbClr val="A9B7C6"/>
+                </a:solidFill>
+                <a:effectLst/>
+                <a:latin typeface="JetBrains Mono"/>
+              </a:rPr>
+              <a:t>Integer&gt; l_allSymptomsCount = </a:t>
+            </a:r>
+            <a:r>
+              <a:rPr kumimoji="0" lang="fr-FR" altLang="fr-FR" sz="1000" b="0" i="0" u="none" strike="noStrike" cap="none" normalizeH="0" baseline="0">
+                <a:ln>
+                  <a:noFill/>
+                </a:ln>
+                <a:solidFill>
+                  <a:srgbClr val="CC7832"/>
+                </a:solidFill>
+                <a:effectLst/>
+                <a:latin typeface="JetBrains Mono"/>
+              </a:rPr>
+              <a:t>new </a:t>
+            </a:r>
+            <a:r>
+              <a:rPr kumimoji="0" lang="fr-FR" altLang="fr-FR" sz="1000" b="0" i="0" u="none" strike="noStrike" cap="none" normalizeH="0" baseline="0">
+                <a:ln>
+                  <a:noFill/>
+                </a:ln>
+                <a:solidFill>
+                  <a:srgbClr val="A9B7C6"/>
+                </a:solidFill>
+                <a:effectLst/>
+                <a:latin typeface="JetBrains Mono"/>
+              </a:rPr>
+              <a:t>TreeMap&lt;String</a:t>
+            </a:r>
+            <a:r>
+              <a:rPr kumimoji="0" lang="fr-FR" altLang="fr-FR" sz="1000" b="0" i="0" u="none" strike="noStrike" cap="none" normalizeH="0" baseline="0">
+                <a:ln>
+                  <a:noFill/>
+                </a:ln>
+                <a:solidFill>
+                  <a:srgbClr val="CC7832"/>
+                </a:solidFill>
+                <a:effectLst/>
+                <a:latin typeface="JetBrains Mono"/>
+              </a:rPr>
+              <a:t>,</a:t>
+            </a:r>
+            <a:r>
+              <a:rPr kumimoji="0" lang="fr-FR" altLang="fr-FR" sz="1000" b="0" i="0" u="none" strike="noStrike" cap="none" normalizeH="0" baseline="0">
+                <a:ln>
+                  <a:noFill/>
+                </a:ln>
+                <a:solidFill>
+                  <a:srgbClr val="A9B7C6"/>
+                </a:solidFill>
+                <a:effectLst/>
+                <a:latin typeface="JetBrains Mono"/>
+              </a:rPr>
+              <a:t>Integer&gt;()</a:t>
+            </a:r>
+            <a:r>
+              <a:rPr kumimoji="0" lang="fr-FR" altLang="fr-FR" sz="1000" b="0" i="0" u="none" strike="noStrike" cap="none" normalizeH="0" baseline="0">
+                <a:ln>
+                  <a:noFill/>
+                </a:ln>
+                <a:solidFill>
+                  <a:srgbClr val="CC7832"/>
+                </a:solidFill>
+                <a:effectLst/>
+                <a:latin typeface="JetBrains Mono"/>
+              </a:rPr>
+              <a:t>;</a:t>
+            </a:r>
+            <a:endParaRPr kumimoji="0" lang="fr-FR" altLang="fr-FR" sz="1800" b="0" i="0" u="none" strike="noStrike" cap="none" normalizeH="0" baseline="0">
+              <a:ln>
+                <a:noFill/>
+              </a:ln>
+              <a:solidFill>
+                <a:schemeClr val="tx1"/>
+              </a:solidFill>
+              <a:effectLst/>
+              <a:latin typeface="Arial" panose="020B0604020202020204" pitchFamily="34" charset="0"/>
+            </a:endParaRPr>
+          </a:p>
+        </p:txBody>
+      </p:sp>
+      <p:sp>
+        <p:nvSpPr>
+          <p:cNvPr id="27" name="ZoneTexte 26">
+            <a:extLst>
+              <a:ext uri="{FF2B5EF4-FFF2-40B4-BE49-F238E27FC236}">
+                <a16:creationId xmlns:a16="http://schemas.microsoft.com/office/drawing/2014/main" id="{D4098B4C-28AC-40A0-BE1F-2DD9D7667D4C}"/>
+              </a:ext>
+            </a:extLst>
+          </p:cNvPr>
+          <p:cNvSpPr txBox="1"/>
+          <p:nvPr/>
+        </p:nvSpPr>
+        <p:spPr>
+          <a:xfrm>
+            <a:off x="5343651" y="2052942"/>
+            <a:ext cx="1651414" cy="215444"/>
+          </a:xfrm>
+          <a:prstGeom prst="rect">
+            <a:avLst/>
+          </a:prstGeom>
+          <a:noFill/>
+        </p:spPr>
+        <p:txBody>
+          <a:bodyPr wrap="none" rtlCol="0">
+            <a:spAutoFit/>
+          </a:bodyPr>
+          <a:lstStyle/>
+          <a:p>
+            <a:r>
+              <a:rPr lang="fr-FR" sz="800" dirty="0"/>
+              <a:t>Déclaration Liste de </a:t>
+            </a:r>
+            <a:r>
+              <a:rPr lang="fr-FR" sz="800" dirty="0" err="1"/>
+              <a:t>symptomes</a:t>
+            </a:r>
+            <a:endParaRPr lang="fr-FR" sz="800" dirty="0"/>
+          </a:p>
+        </p:txBody>
+      </p:sp>
+      <p:sp>
+        <p:nvSpPr>
+          <p:cNvPr id="28" name="ZoneTexte 27">
+            <a:extLst>
+              <a:ext uri="{FF2B5EF4-FFF2-40B4-BE49-F238E27FC236}">
+                <a16:creationId xmlns:a16="http://schemas.microsoft.com/office/drawing/2014/main" id="{1E10CFB5-827C-4346-A2FF-8818A33D3D3B}"/>
+              </a:ext>
+            </a:extLst>
+          </p:cNvPr>
+          <p:cNvSpPr txBox="1"/>
+          <p:nvPr/>
+        </p:nvSpPr>
+        <p:spPr>
+          <a:xfrm>
+            <a:off x="5343651" y="2224279"/>
+            <a:ext cx="3502882" cy="215444"/>
+          </a:xfrm>
+          <a:prstGeom prst="rect">
+            <a:avLst/>
+          </a:prstGeom>
+          <a:noFill/>
+        </p:spPr>
+        <p:txBody>
+          <a:bodyPr wrap="none" rtlCol="0">
+            <a:spAutoFit/>
+          </a:bodyPr>
+          <a:lstStyle/>
+          <a:p>
+            <a:r>
+              <a:rPr lang="fr-FR" sz="800" dirty="0" err="1"/>
+              <a:t>Déclation</a:t>
+            </a:r>
+            <a:r>
+              <a:rPr lang="fr-FR" sz="800" dirty="0"/>
+              <a:t> d’une </a:t>
+            </a:r>
+            <a:r>
+              <a:rPr lang="fr-FR" sz="800" dirty="0" err="1"/>
+              <a:t>TreeMap</a:t>
+            </a:r>
+            <a:r>
+              <a:rPr lang="fr-FR" sz="800" dirty="0"/>
+              <a:t> </a:t>
+            </a:r>
+            <a:r>
+              <a:rPr lang="fr-FR" sz="800" dirty="0" err="1"/>
+              <a:t>ordonées</a:t>
+            </a:r>
+            <a:r>
+              <a:rPr lang="fr-FR" sz="800" dirty="0"/>
+              <a:t> </a:t>
+            </a:r>
+            <a:r>
+              <a:rPr lang="fr-FR" sz="800" dirty="0" err="1"/>
+              <a:t>symptomes</a:t>
+            </a:r>
+            <a:r>
+              <a:rPr lang="fr-FR" sz="800" dirty="0"/>
+              <a:t> / Nombre de </a:t>
+            </a:r>
+            <a:r>
+              <a:rPr lang="fr-FR" sz="800" dirty="0" err="1"/>
+              <a:t>symptomes</a:t>
+            </a:r>
+            <a:endParaRPr lang="fr-FR" sz="800" dirty="0"/>
+          </a:p>
+        </p:txBody>
+      </p:sp>
+      <p:sp>
+        <p:nvSpPr>
+          <p:cNvPr id="29" name="ZoneTexte 28">
+            <a:extLst>
+              <a:ext uri="{FF2B5EF4-FFF2-40B4-BE49-F238E27FC236}">
+                <a16:creationId xmlns:a16="http://schemas.microsoft.com/office/drawing/2014/main" id="{BAB8B3D4-FFC4-4031-A666-B1C249952DAC}"/>
+              </a:ext>
+            </a:extLst>
+          </p:cNvPr>
+          <p:cNvSpPr txBox="1"/>
+          <p:nvPr/>
+        </p:nvSpPr>
+        <p:spPr>
+          <a:xfrm>
+            <a:off x="7340009" y="2596056"/>
+            <a:ext cx="1232450" cy="338554"/>
+          </a:xfrm>
+          <a:prstGeom prst="rect">
+            <a:avLst/>
+          </a:prstGeom>
+          <a:noFill/>
+        </p:spPr>
+        <p:txBody>
+          <a:bodyPr wrap="square" rtlCol="0">
+            <a:spAutoFit/>
+          </a:bodyPr>
+          <a:lstStyle/>
+          <a:p>
+            <a:r>
+              <a:rPr lang="fr-FR" sz="800" dirty="0"/>
+              <a:t>Instanciation + Création d’objets</a:t>
             </a:r>
           </a:p>
         </p:txBody>

--- a/PresentationProjet2.pptx
+++ b/PresentationProjet2.pptx
@@ -28010,7 +28010,7 @@
         <p:spPr>
           <a:xfrm>
             <a:off x="1753507" y="1838652"/>
-            <a:ext cx="4572000" cy="2031325"/>
+            <a:ext cx="4572000" cy="2893100"/>
           </a:xfrm>
           <a:prstGeom prst="rect">
             <a:avLst/>
@@ -28040,13 +28040,31 @@
           <a:p>
             <a:r>
               <a:rPr lang="fr-FR" dirty="0"/>
+              <a:t>url git de la dernière release : </a:t>
+            </a:r>
+          </a:p>
+          <a:p>
+            <a:r>
+              <a:rPr lang="en-US" dirty="0">
+                <a:hlinkClick r:id="rId5"/>
+              </a:rPr>
+              <a:t>https://github.com/USL35/Project_DA_Java_EN_Come_to_the_Rescue_of_a_Java_Application/tree/release</a:t>
+            </a:r>
+            <a:endParaRPr lang="en-US" dirty="0"/>
+          </a:p>
+          <a:p>
+            <a:endParaRPr lang="en-US" dirty="0"/>
+          </a:p>
+          <a:p>
+            <a:r>
+              <a:rPr lang="fr-FR" dirty="0"/>
               <a:t>Fork du travail d’Alex présent sur le repository :</a:t>
             </a:r>
           </a:p>
           <a:p>
             <a:r>
               <a:rPr lang="fr-FR" dirty="0">
-                <a:hlinkClick r:id="rId5"/>
+                <a:hlinkClick r:id="rId6"/>
               </a:rPr>
               <a:t>https://github.com/OpenClassrooms-Student-Center/Project_DA_Java_EN_Come_to_the_Rescue_of_a_Java_Application/tree/master/Project02Eclipse</a:t>
             </a:r>

--- a/PresentationProjet2.pptx
+++ b/PresentationProjet2.pptx
@@ -30467,7 +30467,7 @@
         <p:spPr>
           <a:xfrm>
             <a:off x="924529" y="3061044"/>
-            <a:ext cx="3690434" cy="215444"/>
+            <a:ext cx="3962944" cy="215444"/>
           </a:xfrm>
           <a:prstGeom prst="rect">
             <a:avLst/>
@@ -30482,7 +30482,7 @@
           <a:p>
             <a:r>
               <a:rPr lang="fr-FR" sz="800" dirty="0"/>
-              <a:t>Lecture du fichier d’entrée et création du liste avec tous ls symptômes brutes</a:t>
+              <a:t>Lecture du fichier d’entrée, traitement et écriture par ordre alphabétique en sortie : </a:t>
             </a:r>
           </a:p>
         </p:txBody>
@@ -30524,80 +30524,10 @@
       </p:sp>
       <p:sp>
         <p:nvSpPr>
-          <p:cNvPr id="22" name="ZoneTexte 21">
+          <p:cNvPr id="17" name="Rectangle 6">
             <a:extLst>
               <a:ext uri="{FF2B5EF4-FFF2-40B4-BE49-F238E27FC236}">
-                <a16:creationId xmlns:a16="http://schemas.microsoft.com/office/drawing/2014/main" id="{26376A64-32D7-4582-A716-869DC38E517E}"/>
-              </a:ext>
-            </a:extLst>
-          </p:cNvPr>
-          <p:cNvSpPr txBox="1"/>
-          <p:nvPr/>
-        </p:nvSpPr>
-        <p:spPr>
-          <a:xfrm>
-            <a:off x="924529" y="3681804"/>
-            <a:ext cx="4825360" cy="215444"/>
-          </a:xfrm>
-          <a:prstGeom prst="rect">
-            <a:avLst/>
-          </a:prstGeom>
-          <a:noFill/>
-        </p:spPr>
-        <p:txBody>
-          <a:bodyPr wrap="none" rtlCol="0">
-            <a:spAutoFit/>
-          </a:bodyPr>
-          <a:lstStyle/>
-          <a:p>
-            <a:r>
-              <a:rPr lang="fr-FR" sz="800" dirty="0"/>
-              <a:t>Traitement de la liste des symptômes brutes pour obtenir une liste regroupé et compté de symptômes</a:t>
-            </a:r>
-          </a:p>
-        </p:txBody>
-      </p:sp>
-      <p:sp>
-        <p:nvSpPr>
-          <p:cNvPr id="23" name="ZoneTexte 22">
-            <a:extLst>
-              <a:ext uri="{FF2B5EF4-FFF2-40B4-BE49-F238E27FC236}">
-                <a16:creationId xmlns:a16="http://schemas.microsoft.com/office/drawing/2014/main" id="{0FDA7709-B209-4092-BA08-CCFA7847FCB8}"/>
-              </a:ext>
-            </a:extLst>
-          </p:cNvPr>
-          <p:cNvSpPr txBox="1"/>
-          <p:nvPr/>
-        </p:nvSpPr>
-        <p:spPr>
-          <a:xfrm>
-            <a:off x="924529" y="4251298"/>
-            <a:ext cx="4786888" cy="215444"/>
-          </a:xfrm>
-          <a:prstGeom prst="rect">
-            <a:avLst/>
-          </a:prstGeom>
-          <a:noFill/>
-        </p:spPr>
-        <p:txBody>
-          <a:bodyPr wrap="none" rtlCol="0">
-            <a:spAutoFit/>
-          </a:bodyPr>
-          <a:lstStyle/>
-          <a:p>
-            <a:r>
-              <a:rPr lang="fr-FR" sz="800" dirty="0"/>
-              <a:t>Ecriture de la liste regroupé et compté de symptômes par ordre alphabétique dans le fichier de sortie</a:t>
-            </a:r>
-          </a:p>
-        </p:txBody>
-      </p:sp>
-      <p:sp>
-        <p:nvSpPr>
-          <p:cNvPr id="4" name="Rectangle 2">
-            <a:extLst>
-              <a:ext uri="{FF2B5EF4-FFF2-40B4-BE49-F238E27FC236}">
-                <a16:creationId xmlns:a16="http://schemas.microsoft.com/office/drawing/2014/main" id="{C14384DB-3693-4A6A-93CC-C4BF5E88505E}"/>
+                <a16:creationId xmlns:a16="http://schemas.microsoft.com/office/drawing/2014/main" id="{2B755AF1-9820-424F-A3BC-6C4024CA5F08}"/>
               </a:ext>
             </a:extLst>
           </p:cNvPr>
@@ -30608,8 +30538,8 @@
         </p:nvSpPr>
         <p:spPr bwMode="auto">
           <a:xfrm>
-            <a:off x="991228" y="3327754"/>
-            <a:ext cx="3796314" cy="246221"/>
+            <a:off x="971036" y="2139196"/>
+            <a:ext cx="6388266" cy="553998"/>
           </a:xfrm>
           <a:prstGeom prst="rect">
             <a:avLst/>
@@ -30679,7 +30609,7 @@
                 <a:effectLst/>
                 <a:latin typeface="JetBrains Mono"/>
               </a:rPr>
-              <a:t>l_allSymptoms</a:t>
+              <a:t>ReadSymptomDataFromFile</a:t>
             </a:r>
             <a:r>
               <a:rPr kumimoji="0" lang="fr-FR" altLang="fr-FR" sz="1000" b="0" i="0" u="none" strike="noStrike" cap="none" normalizeH="0" baseline="0" dirty="0">
@@ -30692,7 +30622,7 @@
                 <a:effectLst/>
                 <a:latin typeface="JetBrains Mono"/>
               </a:rPr>
-              <a:t> = </a:t>
+              <a:t> </a:t>
             </a:r>
             <a:r>
               <a:rPr kumimoji="0" lang="fr-FR" altLang="fr-FR" sz="1000" b="0" i="0" u="none" strike="noStrike" cap="none" normalizeH="0" baseline="0" dirty="0" err="1">
@@ -30705,7 +30635,304 @@
                 <a:effectLst/>
                 <a:latin typeface="JetBrains Mono"/>
               </a:rPr>
-              <a:t>readSymptomDataFromFile.GetSymptoms</a:t>
+              <a:t>readSymptomDataFromFile</a:t>
+            </a:r>
+            <a:r>
+              <a:rPr kumimoji="0" lang="fr-FR" altLang="fr-FR" sz="1000" b="0" i="0" u="none" strike="noStrike" cap="none" normalizeH="0" baseline="0" dirty="0">
+                <a:ln>
+                  <a:noFill/>
+                </a:ln>
+                <a:solidFill>
+                  <a:srgbClr val="A9B7C6"/>
+                </a:solidFill>
+                <a:effectLst/>
+                <a:latin typeface="JetBrains Mono"/>
+              </a:rPr>
+              <a:t> = </a:t>
+            </a:r>
+            <a:r>
+              <a:rPr kumimoji="0" lang="fr-FR" altLang="fr-FR" sz="1000" b="0" i="0" u="none" strike="noStrike" cap="none" normalizeH="0" baseline="0" dirty="0">
+                <a:ln>
+                  <a:noFill/>
+                </a:ln>
+                <a:solidFill>
+                  <a:srgbClr val="CC7832"/>
+                </a:solidFill>
+                <a:effectLst/>
+                <a:latin typeface="JetBrains Mono"/>
+              </a:rPr>
+              <a:t>new </a:t>
+            </a:r>
+            <a:r>
+              <a:rPr kumimoji="0" lang="fr-FR" altLang="fr-FR" sz="1000" b="0" i="0" u="none" strike="noStrike" cap="none" normalizeH="0" baseline="0" dirty="0" err="1">
+                <a:ln>
+                  <a:noFill/>
+                </a:ln>
+                <a:solidFill>
+                  <a:srgbClr val="A9B7C6"/>
+                </a:solidFill>
+                <a:effectLst/>
+                <a:latin typeface="JetBrains Mono"/>
+              </a:rPr>
+              <a:t>ReadSymptomDataFromFile</a:t>
+            </a:r>
+            <a:r>
+              <a:rPr kumimoji="0" lang="fr-FR" altLang="fr-FR" sz="1000" b="0" i="0" u="none" strike="noStrike" cap="none" normalizeH="0" baseline="0" dirty="0">
+                <a:ln>
+                  <a:noFill/>
+                </a:ln>
+                <a:solidFill>
+                  <a:srgbClr val="A9B7C6"/>
+                </a:solidFill>
+                <a:effectLst/>
+                <a:latin typeface="JetBrains Mono"/>
+              </a:rPr>
+              <a:t>(</a:t>
+            </a:r>
+            <a:r>
+              <a:rPr kumimoji="0" lang="fr-FR" altLang="fr-FR" sz="1000" b="0" i="0" u="none" strike="noStrike" cap="none" normalizeH="0" baseline="0" dirty="0" err="1">
+                <a:ln>
+                  <a:noFill/>
+                </a:ln>
+                <a:solidFill>
+                  <a:srgbClr val="A9B7C6"/>
+                </a:solidFill>
+                <a:effectLst/>
+                <a:latin typeface="JetBrains Mono"/>
+              </a:rPr>
+              <a:t>symptomsFilePathIn</a:t>
+            </a:r>
+            <a:r>
+              <a:rPr kumimoji="0" lang="fr-FR" altLang="fr-FR" sz="1000" b="0" i="0" u="none" strike="noStrike" cap="none" normalizeH="0" baseline="0" dirty="0">
+                <a:ln>
+                  <a:noFill/>
+                </a:ln>
+                <a:solidFill>
+                  <a:srgbClr val="A9B7C6"/>
+                </a:solidFill>
+                <a:effectLst/>
+                <a:latin typeface="JetBrains Mono"/>
+              </a:rPr>
+              <a:t>)</a:t>
+            </a:r>
+            <a:r>
+              <a:rPr kumimoji="0" lang="fr-FR" altLang="fr-FR" sz="1000" b="0" i="0" u="none" strike="noStrike" cap="none" normalizeH="0" baseline="0" dirty="0">
+                <a:ln>
+                  <a:noFill/>
+                </a:ln>
+                <a:solidFill>
+                  <a:srgbClr val="CC7832"/>
+                </a:solidFill>
+                <a:effectLst/>
+                <a:latin typeface="JetBrains Mono"/>
+              </a:rPr>
+              <a:t>;</a:t>
+            </a:r>
+            <a:br>
+              <a:rPr kumimoji="0" lang="fr-FR" altLang="fr-FR" sz="1000" b="0" i="0" u="none" strike="noStrike" cap="none" normalizeH="0" baseline="0" dirty="0">
+                <a:ln>
+                  <a:noFill/>
+                </a:ln>
+                <a:solidFill>
+                  <a:srgbClr val="CC7832"/>
+                </a:solidFill>
+                <a:effectLst/>
+                <a:latin typeface="JetBrains Mono"/>
+              </a:rPr>
+            </a:br>
+            <a:r>
+              <a:rPr kumimoji="0" lang="fr-FR" altLang="fr-FR" sz="1000" b="0" i="0" u="none" strike="noStrike" cap="none" normalizeH="0" baseline="0" dirty="0" err="1">
+                <a:ln>
+                  <a:noFill/>
+                </a:ln>
+                <a:solidFill>
+                  <a:srgbClr val="A9B7C6"/>
+                </a:solidFill>
+                <a:effectLst/>
+                <a:latin typeface="JetBrains Mono"/>
+              </a:rPr>
+              <a:t>SymptomAnalysis</a:t>
+            </a:r>
+            <a:r>
+              <a:rPr kumimoji="0" lang="fr-FR" altLang="fr-FR" sz="1000" b="0" i="0" u="none" strike="noStrike" cap="none" normalizeH="0" baseline="0" dirty="0">
+                <a:ln>
+                  <a:noFill/>
+                </a:ln>
+                <a:solidFill>
+                  <a:srgbClr val="A9B7C6"/>
+                </a:solidFill>
+                <a:effectLst/>
+                <a:latin typeface="JetBrains Mono"/>
+              </a:rPr>
+              <a:t> </a:t>
+            </a:r>
+            <a:r>
+              <a:rPr kumimoji="0" lang="fr-FR" altLang="fr-FR" sz="1000" b="0" i="0" u="none" strike="noStrike" cap="none" normalizeH="0" baseline="0" dirty="0" err="1">
+                <a:ln>
+                  <a:noFill/>
+                </a:ln>
+                <a:solidFill>
+                  <a:srgbClr val="A9B7C6"/>
+                </a:solidFill>
+                <a:effectLst/>
+                <a:latin typeface="JetBrains Mono"/>
+              </a:rPr>
+              <a:t>symptomAnalysis</a:t>
+            </a:r>
+            <a:r>
+              <a:rPr kumimoji="0" lang="fr-FR" altLang="fr-FR" sz="1000" b="0" i="0" u="none" strike="noStrike" cap="none" normalizeH="0" baseline="0" dirty="0">
+                <a:ln>
+                  <a:noFill/>
+                </a:ln>
+                <a:solidFill>
+                  <a:srgbClr val="A9B7C6"/>
+                </a:solidFill>
+                <a:effectLst/>
+                <a:latin typeface="JetBrains Mono"/>
+              </a:rPr>
+              <a:t> = </a:t>
+            </a:r>
+            <a:r>
+              <a:rPr kumimoji="0" lang="fr-FR" altLang="fr-FR" sz="1000" b="0" i="0" u="none" strike="noStrike" cap="none" normalizeH="0" baseline="0" dirty="0">
+                <a:ln>
+                  <a:noFill/>
+                </a:ln>
+                <a:solidFill>
+                  <a:srgbClr val="CC7832"/>
+                </a:solidFill>
+                <a:effectLst/>
+                <a:latin typeface="JetBrains Mono"/>
+              </a:rPr>
+              <a:t>new </a:t>
+            </a:r>
+            <a:r>
+              <a:rPr kumimoji="0" lang="fr-FR" altLang="fr-FR" sz="1000" b="0" i="0" u="none" strike="noStrike" cap="none" normalizeH="0" baseline="0" dirty="0" err="1">
+                <a:ln>
+                  <a:noFill/>
+                </a:ln>
+                <a:solidFill>
+                  <a:srgbClr val="A9B7C6"/>
+                </a:solidFill>
+                <a:effectLst/>
+                <a:latin typeface="JetBrains Mono"/>
+              </a:rPr>
+              <a:t>SymptomAnalysis</a:t>
+            </a:r>
+            <a:r>
+              <a:rPr kumimoji="0" lang="fr-FR" altLang="fr-FR" sz="1000" b="0" i="0" u="none" strike="noStrike" cap="none" normalizeH="0" baseline="0" dirty="0">
+                <a:ln>
+                  <a:noFill/>
+                </a:ln>
+                <a:solidFill>
+                  <a:srgbClr val="A9B7C6"/>
+                </a:solidFill>
+                <a:effectLst/>
+                <a:latin typeface="JetBrains Mono"/>
+              </a:rPr>
+              <a:t>()</a:t>
+            </a:r>
+            <a:r>
+              <a:rPr kumimoji="0" lang="fr-FR" altLang="fr-FR" sz="1000" b="0" i="0" u="none" strike="noStrike" cap="none" normalizeH="0" baseline="0" dirty="0">
+                <a:ln>
+                  <a:noFill/>
+                </a:ln>
+                <a:solidFill>
+                  <a:srgbClr val="CC7832"/>
+                </a:solidFill>
+                <a:effectLst/>
+                <a:latin typeface="JetBrains Mono"/>
+              </a:rPr>
+              <a:t>;</a:t>
+            </a:r>
+            <a:br>
+              <a:rPr kumimoji="0" lang="fr-FR" altLang="fr-FR" sz="1000" b="0" i="0" u="none" strike="noStrike" cap="none" normalizeH="0" baseline="0" dirty="0">
+                <a:ln>
+                  <a:noFill/>
+                </a:ln>
+                <a:solidFill>
+                  <a:srgbClr val="CC7832"/>
+                </a:solidFill>
+                <a:effectLst/>
+                <a:latin typeface="JetBrains Mono"/>
+              </a:rPr>
+            </a:br>
+            <a:r>
+              <a:rPr kumimoji="0" lang="fr-FR" altLang="fr-FR" sz="1000" b="0" i="0" u="none" strike="noStrike" cap="none" normalizeH="0" baseline="0" dirty="0" err="1">
+                <a:ln>
+                  <a:noFill/>
+                </a:ln>
+                <a:solidFill>
+                  <a:srgbClr val="A9B7C6"/>
+                </a:solidFill>
+                <a:effectLst/>
+                <a:latin typeface="JetBrains Mono"/>
+              </a:rPr>
+              <a:t>WriteSymptomAnalysisToOutput</a:t>
+            </a:r>
+            <a:r>
+              <a:rPr kumimoji="0" lang="fr-FR" altLang="fr-FR" sz="1000" b="0" i="0" u="none" strike="noStrike" cap="none" normalizeH="0" baseline="0" dirty="0">
+                <a:ln>
+                  <a:noFill/>
+                </a:ln>
+                <a:solidFill>
+                  <a:srgbClr val="A9B7C6"/>
+                </a:solidFill>
+                <a:effectLst/>
+                <a:latin typeface="JetBrains Mono"/>
+              </a:rPr>
+              <a:t> </a:t>
+            </a:r>
+            <a:r>
+              <a:rPr kumimoji="0" lang="fr-FR" altLang="fr-FR" sz="1000" b="0" i="0" u="none" strike="noStrike" cap="none" normalizeH="0" baseline="0" dirty="0" err="1">
+                <a:ln>
+                  <a:noFill/>
+                </a:ln>
+                <a:solidFill>
+                  <a:srgbClr val="A9B7C6"/>
+                </a:solidFill>
+                <a:effectLst/>
+                <a:latin typeface="JetBrains Mono"/>
+              </a:rPr>
+              <a:t>writeSymptomAnalysisToOutput</a:t>
+            </a:r>
+            <a:r>
+              <a:rPr kumimoji="0" lang="fr-FR" altLang="fr-FR" sz="1000" b="0" i="0" u="none" strike="noStrike" cap="none" normalizeH="0" baseline="0" dirty="0">
+                <a:ln>
+                  <a:noFill/>
+                </a:ln>
+                <a:solidFill>
+                  <a:srgbClr val="A9B7C6"/>
+                </a:solidFill>
+                <a:effectLst/>
+                <a:latin typeface="JetBrains Mono"/>
+              </a:rPr>
+              <a:t> = </a:t>
+            </a:r>
+            <a:r>
+              <a:rPr kumimoji="0" lang="fr-FR" altLang="fr-FR" sz="1000" b="0" i="0" u="none" strike="noStrike" cap="none" normalizeH="0" baseline="0" dirty="0">
+                <a:ln>
+                  <a:noFill/>
+                </a:ln>
+                <a:solidFill>
+                  <a:srgbClr val="CC7832"/>
+                </a:solidFill>
+                <a:effectLst/>
+                <a:latin typeface="JetBrains Mono"/>
+              </a:rPr>
+              <a:t>new </a:t>
+            </a:r>
+            <a:r>
+              <a:rPr kumimoji="0" lang="fr-FR" altLang="fr-FR" sz="1000" b="0" i="0" u="none" strike="noStrike" cap="none" normalizeH="0" baseline="0" dirty="0" err="1">
+                <a:ln>
+                  <a:noFill/>
+                </a:ln>
+                <a:solidFill>
+                  <a:srgbClr val="A9B7C6"/>
+                </a:solidFill>
+                <a:effectLst/>
+                <a:latin typeface="JetBrains Mono"/>
+              </a:rPr>
+              <a:t>WriteSymptomAnalysisToOutput</a:t>
             </a:r>
             <a:r>
               <a:rPr kumimoji="0" lang="fr-FR" altLang="fr-FR" sz="1000" b="0" i="0" u="none" strike="noStrike" cap="none" normalizeH="0" baseline="0" dirty="0">
@@ -30748,10 +30975,45 @@
       </p:sp>
       <p:sp>
         <p:nvSpPr>
-          <p:cNvPr id="5" name="Rectangle 3">
+          <p:cNvPr id="29" name="ZoneTexte 28">
             <a:extLst>
               <a:ext uri="{FF2B5EF4-FFF2-40B4-BE49-F238E27FC236}">
-                <a16:creationId xmlns:a16="http://schemas.microsoft.com/office/drawing/2014/main" id="{4F75D864-7656-45CF-9942-4232A0097992}"/>
+                <a16:creationId xmlns:a16="http://schemas.microsoft.com/office/drawing/2014/main" id="{BAB8B3D4-FFC4-4031-A666-B1C249952DAC}"/>
+              </a:ext>
+            </a:extLst>
+          </p:cNvPr>
+          <p:cNvSpPr txBox="1"/>
+          <p:nvPr/>
+        </p:nvSpPr>
+        <p:spPr>
+          <a:xfrm>
+            <a:off x="7359302" y="2192799"/>
+            <a:ext cx="1232450" cy="338554"/>
+          </a:xfrm>
+          <a:prstGeom prst="rect">
+            <a:avLst/>
+          </a:prstGeom>
+          <a:noFill/>
+        </p:spPr>
+        <p:txBody>
+          <a:bodyPr wrap="square" rtlCol="0">
+            <a:spAutoFit/>
+          </a:bodyPr>
+          <a:lstStyle/>
+          <a:p>
+            <a:r>
+              <a:rPr lang="fr-FR" sz="800" dirty="0"/>
+              <a:t>Instanciation + Création d’objets</a:t>
+            </a:r>
+          </a:p>
+        </p:txBody>
+      </p:sp>
+      <p:sp>
+        <p:nvSpPr>
+          <p:cNvPr id="2" name="Rectangle 1">
+            <a:extLst>
+              <a:ext uri="{FF2B5EF4-FFF2-40B4-BE49-F238E27FC236}">
+                <a16:creationId xmlns:a16="http://schemas.microsoft.com/office/drawing/2014/main" id="{422B08A5-7EC9-46E5-A231-8CB403FC6B8D}"/>
               </a:ext>
             </a:extLst>
           </p:cNvPr>
@@ -30762,8 +31024,8 @@
         </p:nvSpPr>
         <p:spPr bwMode="auto">
           <a:xfrm>
-            <a:off x="1026168" y="3969075"/>
-            <a:ext cx="4572000" cy="246221"/>
+            <a:off x="971036" y="3406075"/>
+            <a:ext cx="7045433" cy="400110"/>
           </a:xfrm>
           <a:prstGeom prst="rect">
             <a:avLst/>
@@ -30823,7 +31085,7 @@
               <a:tabLst/>
             </a:pPr>
             <a:r>
-              <a:rPr kumimoji="0" lang="fr-FR" altLang="fr-FR" sz="1000" b="0" i="0" u="none" strike="noStrike" cap="none" normalizeH="0" baseline="0" dirty="0" err="1">
+              <a:rPr kumimoji="0" lang="fr-FR" altLang="fr-FR" sz="1000" b="0" i="0" u="none" strike="noStrike" cap="none" normalizeH="0" baseline="0">
                 <a:ln>
                   <a:noFill/>
                 </a:ln>
@@ -30833,216 +31095,10 @@
                 <a:effectLst/>
                 <a:latin typeface="JetBrains Mono"/>
               </a:rPr>
-              <a:t>l_allSymptomsCount</a:t>
+              <a:t>writeSymptomAnalysisToOutput.PrintOutSymptoms(symptomAnalysis.CountNumberOfSymptom(readSymptomDataFromFile.GetSymptoms())</a:t>
             </a:r>
             <a:r>
-              <a:rPr kumimoji="0" lang="fr-FR" altLang="fr-FR" sz="1000" b="0" i="0" u="none" strike="noStrike" cap="none" normalizeH="0" baseline="0" dirty="0">
-                <a:ln>
-                  <a:noFill/>
-                </a:ln>
-                <a:solidFill>
-                  <a:srgbClr val="A9B7C6"/>
-                </a:solidFill>
-                <a:effectLst/>
-                <a:latin typeface="JetBrains Mono"/>
-              </a:rPr>
-              <a:t> = </a:t>
-            </a:r>
-            <a:r>
-              <a:rPr kumimoji="0" lang="fr-FR" altLang="fr-FR" sz="1000" b="0" i="0" u="none" strike="noStrike" cap="none" normalizeH="0" baseline="0" dirty="0" err="1">
-                <a:ln>
-                  <a:noFill/>
-                </a:ln>
-                <a:solidFill>
-                  <a:srgbClr val="A9B7C6"/>
-                </a:solidFill>
-                <a:effectLst/>
-                <a:latin typeface="JetBrains Mono"/>
-              </a:rPr>
-              <a:t>symptomAnalysis.CountNumberOfSymptom</a:t>
-            </a:r>
-            <a:r>
-              <a:rPr kumimoji="0" lang="fr-FR" altLang="fr-FR" sz="1000" b="0" i="0" u="none" strike="noStrike" cap="none" normalizeH="0" baseline="0" dirty="0">
-                <a:ln>
-                  <a:noFill/>
-                </a:ln>
-                <a:solidFill>
-                  <a:srgbClr val="A9B7C6"/>
-                </a:solidFill>
-                <a:effectLst/>
-                <a:latin typeface="JetBrains Mono"/>
-              </a:rPr>
-              <a:t>(</a:t>
-            </a:r>
-            <a:r>
-              <a:rPr kumimoji="0" lang="fr-FR" altLang="fr-FR" sz="1000" b="0" i="0" u="none" strike="noStrike" cap="none" normalizeH="0" baseline="0" dirty="0" err="1">
-                <a:ln>
-                  <a:noFill/>
-                </a:ln>
-                <a:solidFill>
-                  <a:srgbClr val="A9B7C6"/>
-                </a:solidFill>
-                <a:effectLst/>
-                <a:latin typeface="JetBrains Mono"/>
-              </a:rPr>
-              <a:t>l_allSymptoms</a:t>
-            </a:r>
-            <a:r>
-              <a:rPr kumimoji="0" lang="fr-FR" altLang="fr-FR" sz="1000" b="0" i="0" u="none" strike="noStrike" cap="none" normalizeH="0" baseline="0" dirty="0">
-                <a:ln>
-                  <a:noFill/>
-                </a:ln>
-                <a:solidFill>
-                  <a:srgbClr val="A9B7C6"/>
-                </a:solidFill>
-                <a:effectLst/>
-                <a:latin typeface="JetBrains Mono"/>
-              </a:rPr>
-              <a:t>)</a:t>
-            </a:r>
-            <a:r>
-              <a:rPr kumimoji="0" lang="fr-FR" altLang="fr-FR" sz="1000" b="0" i="0" u="none" strike="noStrike" cap="none" normalizeH="0" baseline="0" dirty="0">
-                <a:ln>
-                  <a:noFill/>
-                </a:ln>
-                <a:solidFill>
-                  <a:srgbClr val="CC7832"/>
-                </a:solidFill>
-                <a:effectLst/>
-                <a:latin typeface="JetBrains Mono"/>
-              </a:rPr>
-              <a:t>;</a:t>
-            </a:r>
-            <a:endParaRPr kumimoji="0" lang="fr-FR" altLang="fr-FR" sz="1800" b="0" i="0" u="none" strike="noStrike" cap="none" normalizeH="0" baseline="0" dirty="0">
-              <a:ln>
-                <a:noFill/>
-              </a:ln>
-              <a:solidFill>
-                <a:schemeClr val="tx1"/>
-              </a:solidFill>
-              <a:effectLst/>
-              <a:latin typeface="Arial" panose="020B0604020202020204" pitchFamily="34" charset="0"/>
-            </a:endParaRPr>
-          </a:p>
-        </p:txBody>
-      </p:sp>
-      <p:sp>
-        <p:nvSpPr>
-          <p:cNvPr id="6" name="Rectangle 4">
-            <a:extLst>
-              <a:ext uri="{FF2B5EF4-FFF2-40B4-BE49-F238E27FC236}">
-                <a16:creationId xmlns:a16="http://schemas.microsoft.com/office/drawing/2014/main" id="{22F64E85-05E3-42ED-A754-647113E5B5C8}"/>
-              </a:ext>
-            </a:extLst>
-          </p:cNvPr>
-          <p:cNvSpPr>
-            <a:spLocks noChangeArrowheads="1"/>
-          </p:cNvSpPr>
-          <p:nvPr/>
-        </p:nvSpPr>
-        <p:spPr bwMode="auto">
-          <a:xfrm>
-            <a:off x="1026168" y="4549552"/>
-            <a:ext cx="5789732" cy="246221"/>
-          </a:xfrm>
-          <a:prstGeom prst="rect">
-            <a:avLst/>
-          </a:prstGeom>
-          <a:solidFill>
-            <a:srgbClr val="2B2B2B"/>
-          </a:solidFill>
-          <a:ln>
-            <a:noFill/>
-          </a:ln>
-          <a:effectLst/>
-          <a:extLst>
-            <a:ext uri="{91240B29-F687-4F45-9708-019B960494DF}">
-              <a14:hiddenLine xmlns:a14="http://schemas.microsoft.com/office/drawing/2010/main" w="9525">
-                <a:solidFill>
-                  <a:schemeClr val="tx1"/>
-                </a:solidFill>
-                <a:miter lim="800000"/>
-                <a:headEnd/>
-                <a:tailEnd/>
-              </a14:hiddenLine>
-            </a:ext>
-            <a:ext uri="{AF507438-7753-43E0-B8FC-AC1667EBCBE1}">
-              <a14:hiddenEffects xmlns:a14="http://schemas.microsoft.com/office/drawing/2010/main">
-                <a:effectLst>
-                  <a:outerShdw dist="35921" dir="2700000" algn="ctr" rotWithShape="0">
-                    <a:schemeClr val="bg2"/>
-                  </a:outerShdw>
-                </a:effectLst>
-              </a14:hiddenEffects>
-            </a:ext>
-          </a:extLst>
-        </p:spPr>
-        <p:txBody>
-          <a:bodyPr vert="horz" wrap="square" lIns="91440" tIns="45720" rIns="91440" bIns="45720" numCol="1" anchor="ctr" anchorCtr="0" compatLnSpc="1">
-            <a:prstTxWarp prst="textNoShape">
-              <a:avLst/>
-            </a:prstTxWarp>
-            <a:spAutoFit/>
-          </a:bodyPr>
-          <a:lstStyle/>
-          <a:p>
-            <a:pPr marL="0" marR="0" lvl="0" indent="0" algn="l" defTabSz="914400" rtl="0" eaLnBrk="0" fontAlgn="base" latinLnBrk="0" hangingPunct="0">
-              <a:lnSpc>
-                <a:spcPct val="100000"/>
-              </a:lnSpc>
-              <a:spcBef>
-                <a:spcPct val="0"/>
-              </a:spcBef>
-              <a:spcAft>
-                <a:spcPct val="0"/>
-              </a:spcAft>
-              <a:buClrTx/>
-              <a:buSzTx/>
-              <a:buFontTx/>
-              <a:buNone/>
-              <a:tabLst/>
-            </a:pPr>
-            <a:r>
-              <a:rPr kumimoji="0" lang="fr-FR" altLang="fr-FR" sz="1000" b="0" i="0" u="none" strike="noStrike" cap="none" normalizeH="0" baseline="0" dirty="0" err="1">
-                <a:ln>
-                  <a:noFill/>
-                </a:ln>
-                <a:solidFill>
-                  <a:srgbClr val="A9B7C6"/>
-                </a:solidFill>
-                <a:effectLst/>
-                <a:latin typeface="JetBrains Mono"/>
-              </a:rPr>
-              <a:t>writeSymptomAnalysisToOutput.PrintOutSymptoms</a:t>
-            </a:r>
-            <a:r>
-              <a:rPr kumimoji="0" lang="fr-FR" altLang="fr-FR" sz="1000" b="0" i="0" u="none" strike="noStrike" cap="none" normalizeH="0" baseline="0" dirty="0">
-                <a:ln>
-                  <a:noFill/>
-                </a:ln>
-                <a:solidFill>
-                  <a:srgbClr val="A9B7C6"/>
-                </a:solidFill>
-                <a:effectLst/>
-                <a:latin typeface="JetBrains Mono"/>
-              </a:rPr>
-              <a:t>(</a:t>
-            </a:r>
-            <a:r>
-              <a:rPr kumimoji="0" lang="fr-FR" altLang="fr-FR" sz="1000" b="0" i="0" u="none" strike="noStrike" cap="none" normalizeH="0" baseline="0" dirty="0" err="1">
-                <a:ln>
-                  <a:noFill/>
-                </a:ln>
-                <a:solidFill>
-                  <a:srgbClr val="A9B7C6"/>
-                </a:solidFill>
-                <a:effectLst/>
-                <a:latin typeface="JetBrains Mono"/>
-              </a:rPr>
-              <a:t>l_allSymptomsCount</a:t>
-            </a:r>
-            <a:r>
-              <a:rPr kumimoji="0" lang="fr-FR" altLang="fr-FR" sz="1000" b="0" i="0" u="none" strike="noStrike" cap="none" normalizeH="0" baseline="0" dirty="0" err="1">
+              <a:rPr kumimoji="0" lang="fr-FR" altLang="fr-FR" sz="1000" b="0" i="0" u="none" strike="noStrike" cap="none" normalizeH="0" baseline="0">
                 <a:ln>
                   <a:noFill/>
                 </a:ln>
@@ -31055,12 +31111,12 @@
               <a:t>,</a:t>
             </a:r>
             <a:r>
-              <a:rPr kumimoji="0" lang="fr-FR" altLang="fr-FR" sz="1000" b="0" i="0" u="none" strike="noStrike" cap="none" normalizeH="0" baseline="0" dirty="0" err="1">
+              <a:rPr kumimoji="0" lang="fr-FR" altLang="fr-FR" sz="1000" b="0" i="1" u="none" strike="noStrike" cap="none" normalizeH="0" baseline="0">
                 <a:ln>
                   <a:noFill/>
                 </a:ln>
                 <a:solidFill>
-                  <a:srgbClr val="A9B7C6"/>
+                  <a:srgbClr val="9876AA"/>
                 </a:solidFill>
                 <a:effectLst/>
                 <a:latin typeface="JetBrains Mono"/>
@@ -31068,7 +31124,7 @@
               <a:t>symptomsFilePathOut</a:t>
             </a:r>
             <a:r>
-              <a:rPr kumimoji="0" lang="fr-FR" altLang="fr-FR" sz="1000" b="0" i="0" u="none" strike="noStrike" cap="none" normalizeH="0" baseline="0" dirty="0">
+              <a:rPr kumimoji="0" lang="fr-FR" altLang="fr-FR" sz="1000" b="0" i="0" u="none" strike="noStrike" cap="none" normalizeH="0" baseline="0">
                 <a:ln>
                   <a:noFill/>
                 </a:ln>
@@ -31079,714 +31135,6 @@
                 <a:latin typeface="JetBrains Mono"/>
               </a:rPr>
               <a:t>)</a:t>
-            </a:r>
-            <a:r>
-              <a:rPr kumimoji="0" lang="fr-FR" altLang="fr-FR" sz="1000" b="0" i="0" u="none" strike="noStrike" cap="none" normalizeH="0" baseline="0" dirty="0">
-                <a:ln>
-                  <a:noFill/>
-                </a:ln>
-                <a:solidFill>
-                  <a:srgbClr val="CC7832"/>
-                </a:solidFill>
-                <a:effectLst/>
-                <a:latin typeface="JetBrains Mono"/>
-              </a:rPr>
-              <a:t>;</a:t>
-            </a:r>
-            <a:endParaRPr kumimoji="0" lang="fr-FR" altLang="fr-FR" sz="1800" b="0" i="0" u="none" strike="noStrike" cap="none" normalizeH="0" baseline="0" dirty="0">
-              <a:ln>
-                <a:noFill/>
-              </a:ln>
-              <a:solidFill>
-                <a:schemeClr val="tx1"/>
-              </a:solidFill>
-              <a:effectLst/>
-              <a:latin typeface="Arial" panose="020B0604020202020204" pitchFamily="34" charset="0"/>
-            </a:endParaRPr>
-          </a:p>
-        </p:txBody>
-      </p:sp>
-      <p:sp>
-        <p:nvSpPr>
-          <p:cNvPr id="17" name="Rectangle 6">
-            <a:extLst>
-              <a:ext uri="{FF2B5EF4-FFF2-40B4-BE49-F238E27FC236}">
-                <a16:creationId xmlns:a16="http://schemas.microsoft.com/office/drawing/2014/main" id="{2B755AF1-9820-424F-A3BC-6C4024CA5F08}"/>
-              </a:ext>
-            </a:extLst>
-          </p:cNvPr>
-          <p:cNvSpPr>
-            <a:spLocks noChangeArrowheads="1"/>
-          </p:cNvSpPr>
-          <p:nvPr/>
-        </p:nvSpPr>
-        <p:spPr bwMode="auto">
-          <a:xfrm>
-            <a:off x="978284" y="2471044"/>
-            <a:ext cx="6388266" cy="553998"/>
-          </a:xfrm>
-          <a:prstGeom prst="rect">
-            <a:avLst/>
-          </a:prstGeom>
-          <a:solidFill>
-            <a:srgbClr val="2B2B2B"/>
-          </a:solidFill>
-          <a:ln>
-            <a:noFill/>
-          </a:ln>
-          <a:effectLst/>
-          <a:extLst>
-            <a:ext uri="{91240B29-F687-4F45-9708-019B960494DF}">
-              <a14:hiddenLine xmlns:a14="http://schemas.microsoft.com/office/drawing/2010/main" w="9525">
-                <a:solidFill>
-                  <a:schemeClr val="tx1"/>
-                </a:solidFill>
-                <a:miter lim="800000"/>
-                <a:headEnd/>
-                <a:tailEnd/>
-              </a14:hiddenLine>
-            </a:ext>
-            <a:ext uri="{AF507438-7753-43E0-B8FC-AC1667EBCBE1}">
-              <a14:hiddenEffects xmlns:a14="http://schemas.microsoft.com/office/drawing/2010/main">
-                <a:effectLst>
-                  <a:outerShdw dist="35921" dir="2700000" algn="ctr" rotWithShape="0">
-                    <a:schemeClr val="bg2"/>
-                  </a:outerShdw>
-                </a:effectLst>
-              </a14:hiddenEffects>
-            </a:ext>
-          </a:extLst>
-        </p:spPr>
-        <p:txBody>
-          <a:bodyPr vert="horz" wrap="square" lIns="91440" tIns="45720" rIns="91440" bIns="45720" numCol="1" anchor="ctr" anchorCtr="0" compatLnSpc="1">
-            <a:prstTxWarp prst="textNoShape">
-              <a:avLst/>
-            </a:prstTxWarp>
-            <a:spAutoFit/>
-          </a:bodyPr>
-          <a:lstStyle/>
-          <a:p>
-            <a:pPr marL="0" marR="0" lvl="0" indent="0" algn="l" defTabSz="914400" rtl="0" eaLnBrk="0" fontAlgn="base" latinLnBrk="0" hangingPunct="0">
-              <a:lnSpc>
-                <a:spcPct val="100000"/>
-              </a:lnSpc>
-              <a:spcBef>
-                <a:spcPct val="0"/>
-              </a:spcBef>
-              <a:spcAft>
-                <a:spcPct val="0"/>
-              </a:spcAft>
-              <a:buClrTx/>
-              <a:buSzTx/>
-              <a:buFontTx/>
-              <a:buNone/>
-              <a:tabLst/>
-            </a:pPr>
-            <a:r>
-              <a:rPr kumimoji="0" lang="fr-FR" altLang="fr-FR" sz="1000" b="0" i="0" u="none" strike="noStrike" cap="none" normalizeH="0" baseline="0" dirty="0" err="1">
-                <a:ln>
-                  <a:noFill/>
-                </a:ln>
-                <a:solidFill>
-                  <a:srgbClr val="A9B7C6"/>
-                </a:solidFill>
-                <a:effectLst/>
-                <a:latin typeface="JetBrains Mono"/>
-              </a:rPr>
-              <a:t>ReadSymptomDataFromFile</a:t>
-            </a:r>
-            <a:r>
-              <a:rPr kumimoji="0" lang="fr-FR" altLang="fr-FR" sz="1000" b="0" i="0" u="none" strike="noStrike" cap="none" normalizeH="0" baseline="0" dirty="0">
-                <a:ln>
-                  <a:noFill/>
-                </a:ln>
-                <a:solidFill>
-                  <a:srgbClr val="A9B7C6"/>
-                </a:solidFill>
-                <a:effectLst/>
-                <a:latin typeface="JetBrains Mono"/>
-              </a:rPr>
-              <a:t> </a:t>
-            </a:r>
-            <a:r>
-              <a:rPr kumimoji="0" lang="fr-FR" altLang="fr-FR" sz="1000" b="0" i="0" u="none" strike="noStrike" cap="none" normalizeH="0" baseline="0" dirty="0" err="1">
-                <a:ln>
-                  <a:noFill/>
-                </a:ln>
-                <a:solidFill>
-                  <a:srgbClr val="A9B7C6"/>
-                </a:solidFill>
-                <a:effectLst/>
-                <a:latin typeface="JetBrains Mono"/>
-              </a:rPr>
-              <a:t>readSymptomDataFromFile</a:t>
-            </a:r>
-            <a:r>
-              <a:rPr kumimoji="0" lang="fr-FR" altLang="fr-FR" sz="1000" b="0" i="0" u="none" strike="noStrike" cap="none" normalizeH="0" baseline="0" dirty="0">
-                <a:ln>
-                  <a:noFill/>
-                </a:ln>
-                <a:solidFill>
-                  <a:srgbClr val="A9B7C6"/>
-                </a:solidFill>
-                <a:effectLst/>
-                <a:latin typeface="JetBrains Mono"/>
-              </a:rPr>
-              <a:t> = </a:t>
-            </a:r>
-            <a:r>
-              <a:rPr kumimoji="0" lang="fr-FR" altLang="fr-FR" sz="1000" b="0" i="0" u="none" strike="noStrike" cap="none" normalizeH="0" baseline="0" dirty="0">
-                <a:ln>
-                  <a:noFill/>
-                </a:ln>
-                <a:solidFill>
-                  <a:srgbClr val="CC7832"/>
-                </a:solidFill>
-                <a:effectLst/>
-                <a:latin typeface="JetBrains Mono"/>
-              </a:rPr>
-              <a:t>new </a:t>
-            </a:r>
-            <a:r>
-              <a:rPr kumimoji="0" lang="fr-FR" altLang="fr-FR" sz="1000" b="0" i="0" u="none" strike="noStrike" cap="none" normalizeH="0" baseline="0" dirty="0" err="1">
-                <a:ln>
-                  <a:noFill/>
-                </a:ln>
-                <a:solidFill>
-                  <a:srgbClr val="A9B7C6"/>
-                </a:solidFill>
-                <a:effectLst/>
-                <a:latin typeface="JetBrains Mono"/>
-              </a:rPr>
-              <a:t>ReadSymptomDataFromFile</a:t>
-            </a:r>
-            <a:r>
-              <a:rPr kumimoji="0" lang="fr-FR" altLang="fr-FR" sz="1000" b="0" i="0" u="none" strike="noStrike" cap="none" normalizeH="0" baseline="0" dirty="0">
-                <a:ln>
-                  <a:noFill/>
-                </a:ln>
-                <a:solidFill>
-                  <a:srgbClr val="A9B7C6"/>
-                </a:solidFill>
-                <a:effectLst/>
-                <a:latin typeface="JetBrains Mono"/>
-              </a:rPr>
-              <a:t>(</a:t>
-            </a:r>
-            <a:r>
-              <a:rPr kumimoji="0" lang="fr-FR" altLang="fr-FR" sz="1000" b="0" i="0" u="none" strike="noStrike" cap="none" normalizeH="0" baseline="0" dirty="0" err="1">
-                <a:ln>
-                  <a:noFill/>
-                </a:ln>
-                <a:solidFill>
-                  <a:srgbClr val="A9B7C6"/>
-                </a:solidFill>
-                <a:effectLst/>
-                <a:latin typeface="JetBrains Mono"/>
-              </a:rPr>
-              <a:t>symptomsFilePathIn</a:t>
-            </a:r>
-            <a:r>
-              <a:rPr kumimoji="0" lang="fr-FR" altLang="fr-FR" sz="1000" b="0" i="0" u="none" strike="noStrike" cap="none" normalizeH="0" baseline="0" dirty="0">
-                <a:ln>
-                  <a:noFill/>
-                </a:ln>
-                <a:solidFill>
-                  <a:srgbClr val="A9B7C6"/>
-                </a:solidFill>
-                <a:effectLst/>
-                <a:latin typeface="JetBrains Mono"/>
-              </a:rPr>
-              <a:t>)</a:t>
-            </a:r>
-            <a:r>
-              <a:rPr kumimoji="0" lang="fr-FR" altLang="fr-FR" sz="1000" b="0" i="0" u="none" strike="noStrike" cap="none" normalizeH="0" baseline="0" dirty="0">
-                <a:ln>
-                  <a:noFill/>
-                </a:ln>
-                <a:solidFill>
-                  <a:srgbClr val="CC7832"/>
-                </a:solidFill>
-                <a:effectLst/>
-                <a:latin typeface="JetBrains Mono"/>
-              </a:rPr>
-              <a:t>;</a:t>
-            </a:r>
-            <a:br>
-              <a:rPr kumimoji="0" lang="fr-FR" altLang="fr-FR" sz="1000" b="0" i="0" u="none" strike="noStrike" cap="none" normalizeH="0" baseline="0" dirty="0">
-                <a:ln>
-                  <a:noFill/>
-                </a:ln>
-                <a:solidFill>
-                  <a:srgbClr val="CC7832"/>
-                </a:solidFill>
-                <a:effectLst/>
-                <a:latin typeface="JetBrains Mono"/>
-              </a:rPr>
-            </a:br>
-            <a:r>
-              <a:rPr kumimoji="0" lang="fr-FR" altLang="fr-FR" sz="1000" b="0" i="0" u="none" strike="noStrike" cap="none" normalizeH="0" baseline="0" dirty="0" err="1">
-                <a:ln>
-                  <a:noFill/>
-                </a:ln>
-                <a:solidFill>
-                  <a:srgbClr val="A9B7C6"/>
-                </a:solidFill>
-                <a:effectLst/>
-                <a:latin typeface="JetBrains Mono"/>
-              </a:rPr>
-              <a:t>SymptomAnalysis</a:t>
-            </a:r>
-            <a:r>
-              <a:rPr kumimoji="0" lang="fr-FR" altLang="fr-FR" sz="1000" b="0" i="0" u="none" strike="noStrike" cap="none" normalizeH="0" baseline="0" dirty="0">
-                <a:ln>
-                  <a:noFill/>
-                </a:ln>
-                <a:solidFill>
-                  <a:srgbClr val="A9B7C6"/>
-                </a:solidFill>
-                <a:effectLst/>
-                <a:latin typeface="JetBrains Mono"/>
-              </a:rPr>
-              <a:t> </a:t>
-            </a:r>
-            <a:r>
-              <a:rPr kumimoji="0" lang="fr-FR" altLang="fr-FR" sz="1000" b="0" i="0" u="none" strike="noStrike" cap="none" normalizeH="0" baseline="0" dirty="0" err="1">
-                <a:ln>
-                  <a:noFill/>
-                </a:ln>
-                <a:solidFill>
-                  <a:srgbClr val="A9B7C6"/>
-                </a:solidFill>
-                <a:effectLst/>
-                <a:latin typeface="JetBrains Mono"/>
-              </a:rPr>
-              <a:t>symptomAnalysis</a:t>
-            </a:r>
-            <a:r>
-              <a:rPr kumimoji="0" lang="fr-FR" altLang="fr-FR" sz="1000" b="0" i="0" u="none" strike="noStrike" cap="none" normalizeH="0" baseline="0" dirty="0">
-                <a:ln>
-                  <a:noFill/>
-                </a:ln>
-                <a:solidFill>
-                  <a:srgbClr val="A9B7C6"/>
-                </a:solidFill>
-                <a:effectLst/>
-                <a:latin typeface="JetBrains Mono"/>
-              </a:rPr>
-              <a:t> = </a:t>
-            </a:r>
-            <a:r>
-              <a:rPr kumimoji="0" lang="fr-FR" altLang="fr-FR" sz="1000" b="0" i="0" u="none" strike="noStrike" cap="none" normalizeH="0" baseline="0" dirty="0">
-                <a:ln>
-                  <a:noFill/>
-                </a:ln>
-                <a:solidFill>
-                  <a:srgbClr val="CC7832"/>
-                </a:solidFill>
-                <a:effectLst/>
-                <a:latin typeface="JetBrains Mono"/>
-              </a:rPr>
-              <a:t>new </a:t>
-            </a:r>
-            <a:r>
-              <a:rPr kumimoji="0" lang="fr-FR" altLang="fr-FR" sz="1000" b="0" i="0" u="none" strike="noStrike" cap="none" normalizeH="0" baseline="0" dirty="0" err="1">
-                <a:ln>
-                  <a:noFill/>
-                </a:ln>
-                <a:solidFill>
-                  <a:srgbClr val="A9B7C6"/>
-                </a:solidFill>
-                <a:effectLst/>
-                <a:latin typeface="JetBrains Mono"/>
-              </a:rPr>
-              <a:t>SymptomAnalysis</a:t>
-            </a:r>
-            <a:r>
-              <a:rPr kumimoji="0" lang="fr-FR" altLang="fr-FR" sz="1000" b="0" i="0" u="none" strike="noStrike" cap="none" normalizeH="0" baseline="0" dirty="0">
-                <a:ln>
-                  <a:noFill/>
-                </a:ln>
-                <a:solidFill>
-                  <a:srgbClr val="A9B7C6"/>
-                </a:solidFill>
-                <a:effectLst/>
-                <a:latin typeface="JetBrains Mono"/>
-              </a:rPr>
-              <a:t>()</a:t>
-            </a:r>
-            <a:r>
-              <a:rPr kumimoji="0" lang="fr-FR" altLang="fr-FR" sz="1000" b="0" i="0" u="none" strike="noStrike" cap="none" normalizeH="0" baseline="0" dirty="0">
-                <a:ln>
-                  <a:noFill/>
-                </a:ln>
-                <a:solidFill>
-                  <a:srgbClr val="CC7832"/>
-                </a:solidFill>
-                <a:effectLst/>
-                <a:latin typeface="JetBrains Mono"/>
-              </a:rPr>
-              <a:t>;</a:t>
-            </a:r>
-            <a:br>
-              <a:rPr kumimoji="0" lang="fr-FR" altLang="fr-FR" sz="1000" b="0" i="0" u="none" strike="noStrike" cap="none" normalizeH="0" baseline="0" dirty="0">
-                <a:ln>
-                  <a:noFill/>
-                </a:ln>
-                <a:solidFill>
-                  <a:srgbClr val="CC7832"/>
-                </a:solidFill>
-                <a:effectLst/>
-                <a:latin typeface="JetBrains Mono"/>
-              </a:rPr>
-            </a:br>
-            <a:r>
-              <a:rPr kumimoji="0" lang="fr-FR" altLang="fr-FR" sz="1000" b="0" i="0" u="none" strike="noStrike" cap="none" normalizeH="0" baseline="0" dirty="0" err="1">
-                <a:ln>
-                  <a:noFill/>
-                </a:ln>
-                <a:solidFill>
-                  <a:srgbClr val="A9B7C6"/>
-                </a:solidFill>
-                <a:effectLst/>
-                <a:latin typeface="JetBrains Mono"/>
-              </a:rPr>
-              <a:t>WriteSymptomAnalysisToOutput</a:t>
-            </a:r>
-            <a:r>
-              <a:rPr kumimoji="0" lang="fr-FR" altLang="fr-FR" sz="1000" b="0" i="0" u="none" strike="noStrike" cap="none" normalizeH="0" baseline="0" dirty="0">
-                <a:ln>
-                  <a:noFill/>
-                </a:ln>
-                <a:solidFill>
-                  <a:srgbClr val="A9B7C6"/>
-                </a:solidFill>
-                <a:effectLst/>
-                <a:latin typeface="JetBrains Mono"/>
-              </a:rPr>
-              <a:t> </a:t>
-            </a:r>
-            <a:r>
-              <a:rPr kumimoji="0" lang="fr-FR" altLang="fr-FR" sz="1000" b="0" i="0" u="none" strike="noStrike" cap="none" normalizeH="0" baseline="0" dirty="0" err="1">
-                <a:ln>
-                  <a:noFill/>
-                </a:ln>
-                <a:solidFill>
-                  <a:srgbClr val="A9B7C6"/>
-                </a:solidFill>
-                <a:effectLst/>
-                <a:latin typeface="JetBrains Mono"/>
-              </a:rPr>
-              <a:t>writeSymptomAnalysisToOutput</a:t>
-            </a:r>
-            <a:r>
-              <a:rPr kumimoji="0" lang="fr-FR" altLang="fr-FR" sz="1000" b="0" i="0" u="none" strike="noStrike" cap="none" normalizeH="0" baseline="0" dirty="0">
-                <a:ln>
-                  <a:noFill/>
-                </a:ln>
-                <a:solidFill>
-                  <a:srgbClr val="A9B7C6"/>
-                </a:solidFill>
-                <a:effectLst/>
-                <a:latin typeface="JetBrains Mono"/>
-              </a:rPr>
-              <a:t> = </a:t>
-            </a:r>
-            <a:r>
-              <a:rPr kumimoji="0" lang="fr-FR" altLang="fr-FR" sz="1000" b="0" i="0" u="none" strike="noStrike" cap="none" normalizeH="0" baseline="0" dirty="0">
-                <a:ln>
-                  <a:noFill/>
-                </a:ln>
-                <a:solidFill>
-                  <a:srgbClr val="CC7832"/>
-                </a:solidFill>
-                <a:effectLst/>
-                <a:latin typeface="JetBrains Mono"/>
-              </a:rPr>
-              <a:t>new </a:t>
-            </a:r>
-            <a:r>
-              <a:rPr kumimoji="0" lang="fr-FR" altLang="fr-FR" sz="1000" b="0" i="0" u="none" strike="noStrike" cap="none" normalizeH="0" baseline="0" dirty="0" err="1">
-                <a:ln>
-                  <a:noFill/>
-                </a:ln>
-                <a:solidFill>
-                  <a:srgbClr val="A9B7C6"/>
-                </a:solidFill>
-                <a:effectLst/>
-                <a:latin typeface="JetBrains Mono"/>
-              </a:rPr>
-              <a:t>WriteSymptomAnalysisToOutput</a:t>
-            </a:r>
-            <a:r>
-              <a:rPr kumimoji="0" lang="fr-FR" altLang="fr-FR" sz="1000" b="0" i="0" u="none" strike="noStrike" cap="none" normalizeH="0" baseline="0" dirty="0">
-                <a:ln>
-                  <a:noFill/>
-                </a:ln>
-                <a:solidFill>
-                  <a:srgbClr val="A9B7C6"/>
-                </a:solidFill>
-                <a:effectLst/>
-                <a:latin typeface="JetBrains Mono"/>
-              </a:rPr>
-              <a:t>()</a:t>
-            </a:r>
-            <a:r>
-              <a:rPr kumimoji="0" lang="fr-FR" altLang="fr-FR" sz="1000" b="0" i="0" u="none" strike="noStrike" cap="none" normalizeH="0" baseline="0" dirty="0">
-                <a:ln>
-                  <a:noFill/>
-                </a:ln>
-                <a:solidFill>
-                  <a:srgbClr val="CC7832"/>
-                </a:solidFill>
-                <a:effectLst/>
-                <a:latin typeface="JetBrains Mono"/>
-              </a:rPr>
-              <a:t>;</a:t>
-            </a:r>
-            <a:endParaRPr kumimoji="0" lang="fr-FR" altLang="fr-FR" sz="1800" b="0" i="0" u="none" strike="noStrike" cap="none" normalizeH="0" baseline="0" dirty="0">
-              <a:ln>
-                <a:noFill/>
-              </a:ln>
-              <a:solidFill>
-                <a:schemeClr val="tx1"/>
-              </a:solidFill>
-              <a:effectLst/>
-              <a:latin typeface="Arial" panose="020B0604020202020204" pitchFamily="34" charset="0"/>
-            </a:endParaRPr>
-          </a:p>
-        </p:txBody>
-      </p:sp>
-      <p:sp>
-        <p:nvSpPr>
-          <p:cNvPr id="19" name="Rectangle 7">
-            <a:extLst>
-              <a:ext uri="{FF2B5EF4-FFF2-40B4-BE49-F238E27FC236}">
-                <a16:creationId xmlns:a16="http://schemas.microsoft.com/office/drawing/2014/main" id="{E56A1C80-6486-42D2-98F3-A776B85D3A46}"/>
-              </a:ext>
-            </a:extLst>
-          </p:cNvPr>
-          <p:cNvSpPr>
-            <a:spLocks noChangeArrowheads="1"/>
-          </p:cNvSpPr>
-          <p:nvPr/>
-        </p:nvSpPr>
-        <p:spPr bwMode="auto">
-          <a:xfrm>
-            <a:off x="978284" y="2058743"/>
-            <a:ext cx="4322379" cy="400110"/>
-          </a:xfrm>
-          <a:prstGeom prst="rect">
-            <a:avLst/>
-          </a:prstGeom>
-          <a:solidFill>
-            <a:srgbClr val="2B2B2B"/>
-          </a:solidFill>
-          <a:ln>
-            <a:noFill/>
-          </a:ln>
-          <a:effectLst/>
-          <a:extLst>
-            <a:ext uri="{91240B29-F687-4F45-9708-019B960494DF}">
-              <a14:hiddenLine xmlns:a14="http://schemas.microsoft.com/office/drawing/2010/main" w="9525">
-                <a:solidFill>
-                  <a:schemeClr val="tx1"/>
-                </a:solidFill>
-                <a:miter lim="800000"/>
-                <a:headEnd/>
-                <a:tailEnd/>
-              </a14:hiddenLine>
-            </a:ext>
-            <a:ext uri="{AF507438-7753-43E0-B8FC-AC1667EBCBE1}">
-              <a14:hiddenEffects xmlns:a14="http://schemas.microsoft.com/office/drawing/2010/main">
-                <a:effectLst>
-                  <a:outerShdw dist="35921" dir="2700000" algn="ctr" rotWithShape="0">
-                    <a:schemeClr val="bg2"/>
-                  </a:outerShdw>
-                </a:effectLst>
-              </a14:hiddenEffects>
-            </a:ext>
-          </a:extLst>
-        </p:spPr>
-        <p:txBody>
-          <a:bodyPr vert="horz" wrap="square" lIns="91440" tIns="45720" rIns="91440" bIns="45720" numCol="1" anchor="ctr" anchorCtr="0" compatLnSpc="1">
-            <a:prstTxWarp prst="textNoShape">
-              <a:avLst/>
-            </a:prstTxWarp>
-            <a:spAutoFit/>
-          </a:bodyPr>
-          <a:lstStyle/>
-          <a:p>
-            <a:pPr marL="0" marR="0" lvl="0" indent="0" algn="l" defTabSz="914400" rtl="0" eaLnBrk="0" fontAlgn="base" latinLnBrk="0" hangingPunct="0">
-              <a:lnSpc>
-                <a:spcPct val="100000"/>
-              </a:lnSpc>
-              <a:spcBef>
-                <a:spcPct val="0"/>
-              </a:spcBef>
-              <a:spcAft>
-                <a:spcPct val="0"/>
-              </a:spcAft>
-              <a:buClrTx/>
-              <a:buSzTx/>
-              <a:buFontTx/>
-              <a:buNone/>
-              <a:tabLst/>
-            </a:pPr>
-            <a:r>
-              <a:rPr kumimoji="0" lang="fr-FR" altLang="fr-FR" sz="1000" b="0" i="0" u="none" strike="noStrike" cap="none" normalizeH="0" baseline="0">
-                <a:ln>
-                  <a:noFill/>
-                </a:ln>
-                <a:solidFill>
-                  <a:srgbClr val="A9B7C6"/>
-                </a:solidFill>
-                <a:effectLst/>
-                <a:latin typeface="JetBrains Mono"/>
-              </a:rPr>
-              <a:t>List&lt;String&gt; l_allSymptoms = </a:t>
-            </a:r>
-            <a:r>
-              <a:rPr kumimoji="0" lang="fr-FR" altLang="fr-FR" sz="1000" b="0" i="0" u="none" strike="noStrike" cap="none" normalizeH="0" baseline="0">
-                <a:ln>
-                  <a:noFill/>
-                </a:ln>
-                <a:solidFill>
-                  <a:srgbClr val="CC7832"/>
-                </a:solidFill>
-                <a:effectLst/>
-                <a:latin typeface="JetBrains Mono"/>
-              </a:rPr>
-              <a:t>new </a:t>
-            </a:r>
-            <a:r>
-              <a:rPr kumimoji="0" lang="fr-FR" altLang="fr-FR" sz="1000" b="0" i="0" u="none" strike="noStrike" cap="none" normalizeH="0" baseline="0">
-                <a:ln>
-                  <a:noFill/>
-                </a:ln>
-                <a:solidFill>
-                  <a:srgbClr val="A9B7C6"/>
-                </a:solidFill>
-                <a:effectLst/>
-                <a:latin typeface="JetBrains Mono"/>
-              </a:rPr>
-              <a:t>ArrayList&lt;String&gt;()</a:t>
-            </a:r>
-            <a:r>
-              <a:rPr kumimoji="0" lang="fr-FR" altLang="fr-FR" sz="1000" b="0" i="0" u="none" strike="noStrike" cap="none" normalizeH="0" baseline="0">
-                <a:ln>
-                  <a:noFill/>
-                </a:ln>
-                <a:solidFill>
-                  <a:srgbClr val="CC7832"/>
-                </a:solidFill>
-                <a:effectLst/>
-                <a:latin typeface="JetBrains Mono"/>
-              </a:rPr>
-              <a:t>;</a:t>
-            </a:r>
-            <a:br>
-              <a:rPr kumimoji="0" lang="fr-FR" altLang="fr-FR" sz="1000" b="0" i="0" u="none" strike="noStrike" cap="none" normalizeH="0" baseline="0">
-                <a:ln>
-                  <a:noFill/>
-                </a:ln>
-                <a:solidFill>
-                  <a:srgbClr val="CC7832"/>
-                </a:solidFill>
-                <a:effectLst/>
-                <a:latin typeface="JetBrains Mono"/>
-              </a:rPr>
-            </a:br>
-            <a:r>
-              <a:rPr kumimoji="0" lang="fr-FR" altLang="fr-FR" sz="1000" b="0" i="0" u="none" strike="noStrike" cap="none" normalizeH="0" baseline="0">
-                <a:ln>
-                  <a:noFill/>
-                </a:ln>
-                <a:solidFill>
-                  <a:srgbClr val="A9B7C6"/>
-                </a:solidFill>
-                <a:effectLst/>
-                <a:latin typeface="JetBrains Mono"/>
-              </a:rPr>
-              <a:t>Map&lt;String</a:t>
-            </a:r>
-            <a:r>
-              <a:rPr kumimoji="0" lang="fr-FR" altLang="fr-FR" sz="1000" b="0" i="0" u="none" strike="noStrike" cap="none" normalizeH="0" baseline="0">
-                <a:ln>
-                  <a:noFill/>
-                </a:ln>
-                <a:solidFill>
-                  <a:srgbClr val="CC7832"/>
-                </a:solidFill>
-                <a:effectLst/>
-                <a:latin typeface="JetBrains Mono"/>
-              </a:rPr>
-              <a:t>,</a:t>
-            </a:r>
-            <a:r>
-              <a:rPr kumimoji="0" lang="fr-FR" altLang="fr-FR" sz="1000" b="0" i="0" u="none" strike="noStrike" cap="none" normalizeH="0" baseline="0">
-                <a:ln>
-                  <a:noFill/>
-                </a:ln>
-                <a:solidFill>
-                  <a:srgbClr val="A9B7C6"/>
-                </a:solidFill>
-                <a:effectLst/>
-                <a:latin typeface="JetBrains Mono"/>
-              </a:rPr>
-              <a:t>Integer&gt; l_allSymptomsCount = </a:t>
-            </a:r>
-            <a:r>
-              <a:rPr kumimoji="0" lang="fr-FR" altLang="fr-FR" sz="1000" b="0" i="0" u="none" strike="noStrike" cap="none" normalizeH="0" baseline="0">
-                <a:ln>
-                  <a:noFill/>
-                </a:ln>
-                <a:solidFill>
-                  <a:srgbClr val="CC7832"/>
-                </a:solidFill>
-                <a:effectLst/>
-                <a:latin typeface="JetBrains Mono"/>
-              </a:rPr>
-              <a:t>new </a:t>
-            </a:r>
-            <a:r>
-              <a:rPr kumimoji="0" lang="fr-FR" altLang="fr-FR" sz="1000" b="0" i="0" u="none" strike="noStrike" cap="none" normalizeH="0" baseline="0">
-                <a:ln>
-                  <a:noFill/>
-                </a:ln>
-                <a:solidFill>
-                  <a:srgbClr val="A9B7C6"/>
-                </a:solidFill>
-                <a:effectLst/>
-                <a:latin typeface="JetBrains Mono"/>
-              </a:rPr>
-              <a:t>TreeMap&lt;String</a:t>
-            </a:r>
-            <a:r>
-              <a:rPr kumimoji="0" lang="fr-FR" altLang="fr-FR" sz="1000" b="0" i="0" u="none" strike="noStrike" cap="none" normalizeH="0" baseline="0">
-                <a:ln>
-                  <a:noFill/>
-                </a:ln>
-                <a:solidFill>
-                  <a:srgbClr val="CC7832"/>
-                </a:solidFill>
-                <a:effectLst/>
-                <a:latin typeface="JetBrains Mono"/>
-              </a:rPr>
-              <a:t>,</a:t>
-            </a:r>
-            <a:r>
-              <a:rPr kumimoji="0" lang="fr-FR" altLang="fr-FR" sz="1000" b="0" i="0" u="none" strike="noStrike" cap="none" normalizeH="0" baseline="0">
-                <a:ln>
-                  <a:noFill/>
-                </a:ln>
-                <a:solidFill>
-                  <a:srgbClr val="A9B7C6"/>
-                </a:solidFill>
-                <a:effectLst/>
-                <a:latin typeface="JetBrains Mono"/>
-              </a:rPr>
-              <a:t>Integer&gt;()</a:t>
             </a:r>
             <a:r>
               <a:rPr kumimoji="0" lang="fr-FR" altLang="fr-FR" sz="1000" b="0" i="0" u="none" strike="noStrike" cap="none" normalizeH="0" baseline="0">
@@ -31811,149 +31159,6 @@
               <a:effectLst/>
               <a:latin typeface="Arial" panose="020B0604020202020204" pitchFamily="34" charset="0"/>
             </a:endParaRPr>
-          </a:p>
-        </p:txBody>
-      </p:sp>
-      <p:sp>
-        <p:nvSpPr>
-          <p:cNvPr id="27" name="ZoneTexte 26">
-            <a:extLst>
-              <a:ext uri="{FF2B5EF4-FFF2-40B4-BE49-F238E27FC236}">
-                <a16:creationId xmlns:a16="http://schemas.microsoft.com/office/drawing/2014/main" id="{D4098B4C-28AC-40A0-BE1F-2DD9D7667D4C}"/>
-              </a:ext>
-            </a:extLst>
-          </p:cNvPr>
-          <p:cNvSpPr txBox="1"/>
-          <p:nvPr/>
-        </p:nvSpPr>
-        <p:spPr>
-          <a:xfrm>
-            <a:off x="5343651" y="2052942"/>
-            <a:ext cx="1651414" cy="215444"/>
-          </a:xfrm>
-          <a:prstGeom prst="rect">
-            <a:avLst/>
-          </a:prstGeom>
-          <a:noFill/>
-        </p:spPr>
-        <p:txBody>
-          <a:bodyPr wrap="none" rtlCol="0">
-            <a:spAutoFit/>
-          </a:bodyPr>
-          <a:lstStyle/>
-          <a:p>
-            <a:r>
-              <a:rPr lang="fr-FR" sz="800" dirty="0"/>
-              <a:t>Déclaration Liste de </a:t>
-            </a:r>
-            <a:r>
-              <a:rPr lang="fr-FR" sz="800" dirty="0" err="1"/>
-              <a:t>symptomes</a:t>
-            </a:r>
-            <a:endParaRPr lang="fr-FR" sz="800" dirty="0"/>
-          </a:p>
-        </p:txBody>
-      </p:sp>
-      <p:sp>
-        <p:nvSpPr>
-          <p:cNvPr id="28" name="ZoneTexte 27">
-            <a:extLst>
-              <a:ext uri="{FF2B5EF4-FFF2-40B4-BE49-F238E27FC236}">
-                <a16:creationId xmlns:a16="http://schemas.microsoft.com/office/drawing/2014/main" id="{1E10CFB5-827C-4346-A2FF-8818A33D3D3B}"/>
-              </a:ext>
-            </a:extLst>
-          </p:cNvPr>
-          <p:cNvSpPr txBox="1"/>
-          <p:nvPr/>
-        </p:nvSpPr>
-        <p:spPr>
-          <a:xfrm>
-            <a:off x="5343651" y="2224279"/>
-            <a:ext cx="3502882" cy="215444"/>
-          </a:xfrm>
-          <a:prstGeom prst="rect">
-            <a:avLst/>
-          </a:prstGeom>
-          <a:noFill/>
-        </p:spPr>
-        <p:txBody>
-          <a:bodyPr wrap="none" rtlCol="0">
-            <a:spAutoFit/>
-          </a:bodyPr>
-          <a:lstStyle/>
-          <a:p>
-            <a:r>
-              <a:rPr lang="fr-FR" sz="800" dirty="0" err="1"/>
-              <a:t>Déclation</a:t>
-            </a:r>
-            <a:r>
-              <a:rPr lang="fr-FR" sz="800" dirty="0"/>
-              <a:t> d’une </a:t>
-            </a:r>
-            <a:r>
-              <a:rPr lang="fr-FR" sz="800" dirty="0" err="1"/>
-              <a:t>TreeMap</a:t>
-            </a:r>
-            <a:r>
-              <a:rPr lang="fr-FR" sz="800" dirty="0"/>
-              <a:t> </a:t>
-            </a:r>
-            <a:r>
-              <a:rPr lang="fr-FR" sz="800" dirty="0" err="1"/>
-              <a:t>ordonées</a:t>
-            </a:r>
-            <a:r>
-              <a:rPr lang="fr-FR" sz="800" dirty="0"/>
-              <a:t> </a:t>
-            </a:r>
-            <a:r>
-              <a:rPr lang="fr-FR" sz="800" dirty="0" err="1"/>
-              <a:t>symptomes</a:t>
-            </a:r>
-            <a:r>
-              <a:rPr lang="fr-FR" sz="800" dirty="0"/>
-              <a:t> / Nombre de </a:t>
-            </a:r>
-            <a:r>
-              <a:rPr lang="fr-FR" sz="800" dirty="0" err="1"/>
-              <a:t>symptomes</a:t>
-            </a:r>
-            <a:endParaRPr lang="fr-FR" sz="800" dirty="0"/>
-          </a:p>
-        </p:txBody>
-      </p:sp>
-      <p:sp>
-        <p:nvSpPr>
-          <p:cNvPr id="29" name="ZoneTexte 28">
-            <a:extLst>
-              <a:ext uri="{FF2B5EF4-FFF2-40B4-BE49-F238E27FC236}">
-                <a16:creationId xmlns:a16="http://schemas.microsoft.com/office/drawing/2014/main" id="{BAB8B3D4-FFC4-4031-A666-B1C249952DAC}"/>
-              </a:ext>
-            </a:extLst>
-          </p:cNvPr>
-          <p:cNvSpPr txBox="1"/>
-          <p:nvPr/>
-        </p:nvSpPr>
-        <p:spPr>
-          <a:xfrm>
-            <a:off x="7340009" y="2596056"/>
-            <a:ext cx="1232450" cy="338554"/>
-          </a:xfrm>
-          <a:prstGeom prst="rect">
-            <a:avLst/>
-          </a:prstGeom>
-          <a:noFill/>
-        </p:spPr>
-        <p:txBody>
-          <a:bodyPr wrap="square" rtlCol="0">
-            <a:spAutoFit/>
-          </a:bodyPr>
-          <a:lstStyle/>
-          <a:p>
-            <a:r>
-              <a:rPr lang="fr-FR" sz="800" dirty="0"/>
-              <a:t>Instanciation + Création d’objets</a:t>
-            </a:r>
           </a:p>
         </p:txBody>
       </p:sp>
